--- a/LifestylePPT_Rudy.pptx
+++ b/LifestylePPT_Rudy.pptx
@@ -5,36 +5,37 @@
     <p:sldMasterId id="2147483766" r:id="rId1"/>
   </p:sldMasterIdLst>
   <p:notesMasterIdLst>
-    <p:notesMasterId r:id="rId13"/>
+    <p:notesMasterId r:id="rId14"/>
   </p:notesMasterIdLst>
   <p:sldIdLst>
     <p:sldId id="270" r:id="rId2"/>
     <p:sldId id="257" r:id="rId3"/>
     <p:sldId id="258" r:id="rId4"/>
-    <p:sldId id="262" r:id="rId5"/>
-    <p:sldId id="263" r:id="rId6"/>
-    <p:sldId id="264" r:id="rId7"/>
-    <p:sldId id="265" r:id="rId8"/>
-    <p:sldId id="271" r:id="rId9"/>
-    <p:sldId id="266" r:id="rId10"/>
-    <p:sldId id="267" r:id="rId11"/>
-    <p:sldId id="268" r:id="rId12"/>
+    <p:sldId id="272" r:id="rId5"/>
+    <p:sldId id="262" r:id="rId6"/>
+    <p:sldId id="263" r:id="rId7"/>
+    <p:sldId id="264" r:id="rId8"/>
+    <p:sldId id="265" r:id="rId9"/>
+    <p:sldId id="271" r:id="rId10"/>
+    <p:sldId id="266" r:id="rId11"/>
+    <p:sldId id="267" r:id="rId12"/>
+    <p:sldId id="268" r:id="rId13"/>
   </p:sldIdLst>
   <p:sldSz cx="12192000" cy="6858000"/>
   <p:notesSz cx="6858000" cy="9144000"/>
   <p:embeddedFontLst>
     <p:embeddedFont>
       <p:font typeface="Calibri" panose="020F0502020204030204" pitchFamily="34" charset="0"/>
-      <p:regular r:id="rId14"/>
-      <p:bold r:id="rId15"/>
-      <p:italic r:id="rId16"/>
-      <p:boldItalic r:id="rId17"/>
+      <p:regular r:id="rId15"/>
+      <p:bold r:id="rId16"/>
+      <p:italic r:id="rId17"/>
+      <p:boldItalic r:id="rId18"/>
     </p:embeddedFont>
     <p:embeddedFont>
       <p:font typeface="Trebuchet MS" panose="020B0703020202090204" pitchFamily="34" charset="0"/>
-      <p:regular r:id="rId18"/>
-      <p:bold r:id="rId19"/>
-      <p:italic r:id="rId20"/>
+      <p:regular r:id="rId19"/>
+      <p:bold r:id="rId20"/>
+      <p:italic r:id="rId21"/>
     </p:embeddedFont>
   </p:embeddedFontLst>
   <p:defaultTextStyle>
@@ -3350,7 +3351,7 @@
   <p:cSld>
     <p:spTree>
       <p:nvGrpSpPr>
-        <p:cNvPr id="1" name="Shape 139"/>
+        <p:cNvPr id="1" name="Shape 133"/>
         <p:cNvGrpSpPr/>
         <p:nvPr/>
       </p:nvGrpSpPr>
@@ -3364,7 +3365,7 @@
       </p:grpSpPr>
       <p:sp>
         <p:nvSpPr>
-          <p:cNvPr id="140" name="Google Shape;140;p8:notes"/>
+          <p:cNvPr id="134" name="Google Shape;134;p7:notes"/>
           <p:cNvSpPr txBox="1">
             <a:spLocks noGrp="1"/>
           </p:cNvSpPr>
@@ -3410,7 +3411,7 @@
       </p:sp>
       <p:sp>
         <p:nvSpPr>
-          <p:cNvPr id="141" name="Google Shape;141;p8:notes"/>
+          <p:cNvPr id="135" name="Google Shape;135;p7:notes"/>
           <p:cNvSpPr>
             <a:spLocks noGrp="1" noRot="1" noChangeAspect="1"/>
           </p:cNvSpPr>
@@ -3467,12 +3468,12 @@
 </p:notes>
 </file>
 
-<file path=ppt/notesSlides/notesSlide2.xml><?xml version="1.0" encoding="utf-8"?>
+<file path=ppt/notesSlides/notesSlide11.xml><?xml version="1.0" encoding="utf-8"?>
 <p:notes xmlns:a="http://schemas.openxmlformats.org/drawingml/2006/main" xmlns:r="http://schemas.openxmlformats.org/officeDocument/2006/relationships" xmlns:p="http://schemas.openxmlformats.org/presentationml/2006/main" showMasterSp="0" showMasterPhAnim="0">
   <p:cSld>
     <p:spTree>
       <p:nvGrpSpPr>
-        <p:cNvPr id="1" name="Shape 70"/>
+        <p:cNvPr id="1" name="Shape 139"/>
         <p:cNvGrpSpPr/>
         <p:nvPr/>
       </p:nvGrpSpPr>
@@ -3486,319 +3487,7 @@
       </p:grpSpPr>
       <p:sp>
         <p:nvSpPr>
-          <p:cNvPr id="71" name="Google Shape;71;p9:notes"/>
-          <p:cNvSpPr txBox="1">
-            <a:spLocks noGrp="1"/>
-          </p:cNvSpPr>
-          <p:nvPr>
-            <p:ph type="body" idx="1"/>
-          </p:nvPr>
-        </p:nvSpPr>
-        <p:spPr>
-          <a:xfrm>
-            <a:off x="685800" y="4343400"/>
-            <a:ext cx="5486400" cy="4114800"/>
-          </a:xfrm>
-          <a:prstGeom prst="rect">
-            <a:avLst/>
-          </a:prstGeom>
-        </p:spPr>
-        <p:txBody>
-          <a:bodyPr spcFirstLastPara="1" wrap="square" lIns="91425" tIns="91425" rIns="91425" bIns="91425" anchor="t" anchorCtr="0">
-            <a:noAutofit/>
-          </a:bodyPr>
-          <a:lstStyle/>
-          <a:p>
-            <a:pPr marL="0" lvl="0" indent="0" algn="l" rtl="0">
-              <a:spcBef>
-                <a:spcPts val="0"/>
-              </a:spcBef>
-              <a:spcAft>
-                <a:spcPts val="0"/>
-              </a:spcAft>
-              <a:buNone/>
-            </a:pPr>
-            <a:endParaRPr/>
-          </a:p>
-        </p:txBody>
-      </p:sp>
-      <p:sp>
-        <p:nvSpPr>
-          <p:cNvPr id="72" name="Google Shape;72;p9:notes"/>
-          <p:cNvSpPr>
-            <a:spLocks noGrp="1" noRot="1" noChangeAspect="1"/>
-          </p:cNvSpPr>
-          <p:nvPr>
-            <p:ph type="sldImg" idx="2"/>
-          </p:nvPr>
-        </p:nvSpPr>
-        <p:spPr>
-          <a:xfrm>
-            <a:off x="381000" y="685800"/>
-            <a:ext cx="6096000" cy="3429000"/>
-          </a:xfrm>
-          <a:custGeom>
-            <a:avLst/>
-            <a:gdLst/>
-            <a:ahLst/>
-            <a:cxnLst/>
-            <a:rect l="l" t="t" r="r" b="b"/>
-            <a:pathLst>
-              <a:path w="120000" h="120000" extrusionOk="0">
-                <a:moveTo>
-                  <a:pt x="0" y="0"/>
-                </a:moveTo>
-                <a:lnTo>
-                  <a:pt x="120000" y="0"/>
-                </a:lnTo>
-                <a:lnTo>
-                  <a:pt x="120000" y="120000"/>
-                </a:lnTo>
-                <a:lnTo>
-                  <a:pt x="0" y="120000"/>
-                </a:lnTo>
-                <a:close/>
-              </a:path>
-            </a:pathLst>
-          </a:custGeom>
-        </p:spPr>
-      </p:sp>
-    </p:spTree>
-  </p:cSld>
-  <p:clrMapOvr>
-    <a:masterClrMapping/>
-  </p:clrMapOvr>
-</p:notes>
-</file>
-
-<file path=ppt/notesSlides/notesSlide3.xml><?xml version="1.0" encoding="utf-8"?>
-<p:notes xmlns:a="http://schemas.openxmlformats.org/drawingml/2006/main" xmlns:r="http://schemas.openxmlformats.org/officeDocument/2006/relationships" xmlns:p="http://schemas.openxmlformats.org/presentationml/2006/main" showMasterSp="0" showMasterPhAnim="0">
-  <p:cSld>
-    <p:spTree>
-      <p:nvGrpSpPr>
-        <p:cNvPr id="1" name="Shape 100"/>
-        <p:cNvGrpSpPr/>
-        <p:nvPr/>
-      </p:nvGrpSpPr>
-      <p:grpSpPr>
-        <a:xfrm>
-          <a:off x="0" y="0"/>
-          <a:ext cx="0" cy="0"/>
-          <a:chOff x="0" y="0"/>
-          <a:chExt cx="0" cy="0"/>
-        </a:xfrm>
-      </p:grpSpPr>
-      <p:sp>
-        <p:nvSpPr>
-          <p:cNvPr id="101" name="Google Shape;101;p13:notes"/>
-          <p:cNvSpPr txBox="1">
-            <a:spLocks noGrp="1"/>
-          </p:cNvSpPr>
-          <p:nvPr>
-            <p:ph type="body" idx="1"/>
-          </p:nvPr>
-        </p:nvSpPr>
-        <p:spPr>
-          <a:xfrm>
-            <a:off x="685800" y="4343400"/>
-            <a:ext cx="5486400" cy="4114800"/>
-          </a:xfrm>
-          <a:prstGeom prst="rect">
-            <a:avLst/>
-          </a:prstGeom>
-        </p:spPr>
-        <p:txBody>
-          <a:bodyPr spcFirstLastPara="1" wrap="square" lIns="91425" tIns="91425" rIns="91425" bIns="91425" anchor="t" anchorCtr="0">
-            <a:noAutofit/>
-          </a:bodyPr>
-          <a:lstStyle/>
-          <a:p>
-            <a:pPr marL="0" lvl="0" indent="0" algn="l" rtl="0">
-              <a:spcBef>
-                <a:spcPts val="0"/>
-              </a:spcBef>
-              <a:spcAft>
-                <a:spcPts val="0"/>
-              </a:spcAft>
-              <a:buNone/>
-            </a:pPr>
-            <a:endParaRPr/>
-          </a:p>
-        </p:txBody>
-      </p:sp>
-      <p:sp>
-        <p:nvSpPr>
-          <p:cNvPr id="102" name="Google Shape;102;p13:notes"/>
-          <p:cNvSpPr>
-            <a:spLocks noGrp="1" noRot="1" noChangeAspect="1"/>
-          </p:cNvSpPr>
-          <p:nvPr>
-            <p:ph type="sldImg" idx="2"/>
-          </p:nvPr>
-        </p:nvSpPr>
-        <p:spPr>
-          <a:xfrm>
-            <a:off x="381000" y="685800"/>
-            <a:ext cx="6096000" cy="3429000"/>
-          </a:xfrm>
-          <a:custGeom>
-            <a:avLst/>
-            <a:gdLst/>
-            <a:ahLst/>
-            <a:cxnLst/>
-            <a:rect l="l" t="t" r="r" b="b"/>
-            <a:pathLst>
-              <a:path w="120000" h="120000" extrusionOk="0">
-                <a:moveTo>
-                  <a:pt x="0" y="0"/>
-                </a:moveTo>
-                <a:lnTo>
-                  <a:pt x="120000" y="0"/>
-                </a:lnTo>
-                <a:lnTo>
-                  <a:pt x="120000" y="120000"/>
-                </a:lnTo>
-                <a:lnTo>
-                  <a:pt x="0" y="120000"/>
-                </a:lnTo>
-                <a:close/>
-              </a:path>
-            </a:pathLst>
-          </a:custGeom>
-        </p:spPr>
-      </p:sp>
-    </p:spTree>
-  </p:cSld>
-  <p:clrMapOvr>
-    <a:masterClrMapping/>
-  </p:clrMapOvr>
-</p:notes>
-</file>
-
-<file path=ppt/notesSlides/notesSlide4.xml><?xml version="1.0" encoding="utf-8"?>
-<p:notes xmlns:a="http://schemas.openxmlformats.org/drawingml/2006/main" xmlns:r="http://schemas.openxmlformats.org/officeDocument/2006/relationships" xmlns:p="http://schemas.openxmlformats.org/presentationml/2006/main" showMasterSp="0" showMasterPhAnim="0">
-  <p:cSld>
-    <p:spTree>
-      <p:nvGrpSpPr>
-        <p:cNvPr id="1" name="Shape 107"/>
-        <p:cNvGrpSpPr/>
-        <p:nvPr/>
-      </p:nvGrpSpPr>
-      <p:grpSpPr>
-        <a:xfrm>
-          <a:off x="0" y="0"/>
-          <a:ext cx="0" cy="0"/>
-          <a:chOff x="0" y="0"/>
-          <a:chExt cx="0" cy="0"/>
-        </a:xfrm>
-      </p:grpSpPr>
-      <p:sp>
-        <p:nvSpPr>
-          <p:cNvPr id="108" name="Google Shape;108;p14:notes"/>
-          <p:cNvSpPr txBox="1">
-            <a:spLocks noGrp="1"/>
-          </p:cNvSpPr>
-          <p:nvPr>
-            <p:ph type="body" idx="1"/>
-          </p:nvPr>
-        </p:nvSpPr>
-        <p:spPr>
-          <a:xfrm>
-            <a:off x="685800" y="4343400"/>
-            <a:ext cx="5486400" cy="4114800"/>
-          </a:xfrm>
-          <a:prstGeom prst="rect">
-            <a:avLst/>
-          </a:prstGeom>
-        </p:spPr>
-        <p:txBody>
-          <a:bodyPr spcFirstLastPara="1" wrap="square" lIns="91425" tIns="91425" rIns="91425" bIns="91425" anchor="t" anchorCtr="0">
-            <a:noAutofit/>
-          </a:bodyPr>
-          <a:lstStyle/>
-          <a:p>
-            <a:pPr marL="0" lvl="0" indent="0" algn="l" rtl="0">
-              <a:spcBef>
-                <a:spcPts val="0"/>
-              </a:spcBef>
-              <a:spcAft>
-                <a:spcPts val="0"/>
-              </a:spcAft>
-              <a:buNone/>
-            </a:pPr>
-            <a:endParaRPr/>
-          </a:p>
-        </p:txBody>
-      </p:sp>
-      <p:sp>
-        <p:nvSpPr>
-          <p:cNvPr id="109" name="Google Shape;109;p14:notes"/>
-          <p:cNvSpPr>
-            <a:spLocks noGrp="1" noRot="1" noChangeAspect="1"/>
-          </p:cNvSpPr>
-          <p:nvPr>
-            <p:ph type="sldImg" idx="2"/>
-          </p:nvPr>
-        </p:nvSpPr>
-        <p:spPr>
-          <a:xfrm>
-            <a:off x="381000" y="685800"/>
-            <a:ext cx="6096000" cy="3429000"/>
-          </a:xfrm>
-          <a:custGeom>
-            <a:avLst/>
-            <a:gdLst/>
-            <a:ahLst/>
-            <a:cxnLst/>
-            <a:rect l="l" t="t" r="r" b="b"/>
-            <a:pathLst>
-              <a:path w="120000" h="120000" extrusionOk="0">
-                <a:moveTo>
-                  <a:pt x="0" y="0"/>
-                </a:moveTo>
-                <a:lnTo>
-                  <a:pt x="120000" y="0"/>
-                </a:lnTo>
-                <a:lnTo>
-                  <a:pt x="120000" y="120000"/>
-                </a:lnTo>
-                <a:lnTo>
-                  <a:pt x="0" y="120000"/>
-                </a:lnTo>
-                <a:close/>
-              </a:path>
-            </a:pathLst>
-          </a:custGeom>
-        </p:spPr>
-      </p:sp>
-    </p:spTree>
-  </p:cSld>
-  <p:clrMapOvr>
-    <a:masterClrMapping/>
-  </p:clrMapOvr>
-</p:notes>
-</file>
-
-<file path=ppt/notesSlides/notesSlide5.xml><?xml version="1.0" encoding="utf-8"?>
-<p:notes xmlns:a="http://schemas.openxmlformats.org/drawingml/2006/main" xmlns:r="http://schemas.openxmlformats.org/officeDocument/2006/relationships" xmlns:p="http://schemas.openxmlformats.org/presentationml/2006/main" showMasterSp="0" showMasterPhAnim="0">
-  <p:cSld>
-    <p:spTree>
-      <p:nvGrpSpPr>
-        <p:cNvPr id="1" name="Shape 114"/>
-        <p:cNvGrpSpPr/>
-        <p:nvPr/>
-      </p:nvGrpSpPr>
-      <p:grpSpPr>
-        <a:xfrm>
-          <a:off x="0" y="0"/>
-          <a:ext cx="0" cy="0"/>
-          <a:chOff x="0" y="0"/>
-          <a:chExt cx="0" cy="0"/>
-        </a:xfrm>
-      </p:grpSpPr>
-      <p:sp>
-        <p:nvSpPr>
-          <p:cNvPr id="115" name="Google Shape;115;p4:notes"/>
+          <p:cNvPr id="140" name="Google Shape;140;p8:notes"/>
           <p:cNvSpPr txBox="1">
             <a:spLocks noGrp="1"/>
           </p:cNvSpPr>
@@ -3844,7 +3533,7 @@
       </p:sp>
       <p:sp>
         <p:nvSpPr>
-          <p:cNvPr id="116" name="Google Shape;116;p4:notes"/>
+          <p:cNvPr id="141" name="Google Shape;141;p8:notes"/>
           <p:cNvSpPr>
             <a:spLocks noGrp="1" noRot="1" noChangeAspect="1"/>
           </p:cNvSpPr>
@@ -3901,12 +3590,12 @@
 </p:notes>
 </file>
 
-<file path=ppt/notesSlides/notesSlide6.xml><?xml version="1.0" encoding="utf-8"?>
+<file path=ppt/notesSlides/notesSlide2.xml><?xml version="1.0" encoding="utf-8"?>
 <p:notes xmlns:a="http://schemas.openxmlformats.org/drawingml/2006/main" xmlns:r="http://schemas.openxmlformats.org/officeDocument/2006/relationships" xmlns:p="http://schemas.openxmlformats.org/presentationml/2006/main" showMasterSp="0" showMasterPhAnim="0">
   <p:cSld>
     <p:spTree>
       <p:nvGrpSpPr>
-        <p:cNvPr id="1" name="Shape 120"/>
+        <p:cNvPr id="1" name="Shape 70"/>
         <p:cNvGrpSpPr/>
         <p:nvPr/>
       </p:nvGrpSpPr>
@@ -3920,7 +3609,428 @@
       </p:grpSpPr>
       <p:sp>
         <p:nvSpPr>
-          <p:cNvPr id="121" name="Google Shape;121;p5:notes"/>
+          <p:cNvPr id="71" name="Google Shape;71;p9:notes"/>
+          <p:cNvSpPr txBox="1">
+            <a:spLocks noGrp="1"/>
+          </p:cNvSpPr>
+          <p:nvPr>
+            <p:ph type="body" idx="1"/>
+          </p:nvPr>
+        </p:nvSpPr>
+        <p:spPr>
+          <a:xfrm>
+            <a:off x="685800" y="4343400"/>
+            <a:ext cx="5486400" cy="4114800"/>
+          </a:xfrm>
+          <a:prstGeom prst="rect">
+            <a:avLst/>
+          </a:prstGeom>
+        </p:spPr>
+        <p:txBody>
+          <a:bodyPr spcFirstLastPara="1" wrap="square" lIns="91425" tIns="91425" rIns="91425" bIns="91425" anchor="t" anchorCtr="0">
+            <a:noAutofit/>
+          </a:bodyPr>
+          <a:lstStyle/>
+          <a:p>
+            <a:pPr marL="0" lvl="0" indent="0" algn="l" rtl="0">
+              <a:spcBef>
+                <a:spcPts val="0"/>
+              </a:spcBef>
+              <a:spcAft>
+                <a:spcPts val="0"/>
+              </a:spcAft>
+              <a:buNone/>
+            </a:pPr>
+            <a:endParaRPr/>
+          </a:p>
+        </p:txBody>
+      </p:sp>
+      <p:sp>
+        <p:nvSpPr>
+          <p:cNvPr id="72" name="Google Shape;72;p9:notes"/>
+          <p:cNvSpPr>
+            <a:spLocks noGrp="1" noRot="1" noChangeAspect="1"/>
+          </p:cNvSpPr>
+          <p:nvPr>
+            <p:ph type="sldImg" idx="2"/>
+          </p:nvPr>
+        </p:nvSpPr>
+        <p:spPr>
+          <a:xfrm>
+            <a:off x="381000" y="685800"/>
+            <a:ext cx="6096000" cy="3429000"/>
+          </a:xfrm>
+          <a:custGeom>
+            <a:avLst/>
+            <a:gdLst/>
+            <a:ahLst/>
+            <a:cxnLst/>
+            <a:rect l="l" t="t" r="r" b="b"/>
+            <a:pathLst>
+              <a:path w="120000" h="120000" extrusionOk="0">
+                <a:moveTo>
+                  <a:pt x="0" y="0"/>
+                </a:moveTo>
+                <a:lnTo>
+                  <a:pt x="120000" y="0"/>
+                </a:lnTo>
+                <a:lnTo>
+                  <a:pt x="120000" y="120000"/>
+                </a:lnTo>
+                <a:lnTo>
+                  <a:pt x="0" y="120000"/>
+                </a:lnTo>
+                <a:close/>
+              </a:path>
+            </a:pathLst>
+          </a:custGeom>
+        </p:spPr>
+      </p:sp>
+    </p:spTree>
+  </p:cSld>
+  <p:clrMapOvr>
+    <a:masterClrMapping/>
+  </p:clrMapOvr>
+</p:notes>
+</file>
+
+<file path=ppt/notesSlides/notesSlide3.xml><?xml version="1.0" encoding="utf-8"?>
+<p:notes xmlns:a="http://schemas.openxmlformats.org/drawingml/2006/main" xmlns:r="http://schemas.openxmlformats.org/officeDocument/2006/relationships" xmlns:p="http://schemas.openxmlformats.org/presentationml/2006/main" showMasterSp="0" showMasterPhAnim="0">
+  <p:cSld>
+    <p:spTree>
+      <p:nvGrpSpPr>
+        <p:cNvPr id="1" name="Shape 100"/>
+        <p:cNvGrpSpPr/>
+        <p:nvPr/>
+      </p:nvGrpSpPr>
+      <p:grpSpPr>
+        <a:xfrm>
+          <a:off x="0" y="0"/>
+          <a:ext cx="0" cy="0"/>
+          <a:chOff x="0" y="0"/>
+          <a:chExt cx="0" cy="0"/>
+        </a:xfrm>
+      </p:grpSpPr>
+      <p:sp>
+        <p:nvSpPr>
+          <p:cNvPr id="101" name="Google Shape;101;p13:notes"/>
+          <p:cNvSpPr txBox="1">
+            <a:spLocks noGrp="1"/>
+          </p:cNvSpPr>
+          <p:nvPr>
+            <p:ph type="body" idx="1"/>
+          </p:nvPr>
+        </p:nvSpPr>
+        <p:spPr>
+          <a:xfrm>
+            <a:off x="685800" y="4343400"/>
+            <a:ext cx="5486400" cy="4114800"/>
+          </a:xfrm>
+          <a:prstGeom prst="rect">
+            <a:avLst/>
+          </a:prstGeom>
+        </p:spPr>
+        <p:txBody>
+          <a:bodyPr spcFirstLastPara="1" wrap="square" lIns="91425" tIns="91425" rIns="91425" bIns="91425" anchor="t" anchorCtr="0">
+            <a:noAutofit/>
+          </a:bodyPr>
+          <a:lstStyle/>
+          <a:p>
+            <a:pPr marL="0" lvl="0" indent="0" algn="l" rtl="0">
+              <a:spcBef>
+                <a:spcPts val="0"/>
+              </a:spcBef>
+              <a:spcAft>
+                <a:spcPts val="0"/>
+              </a:spcAft>
+              <a:buNone/>
+            </a:pPr>
+            <a:endParaRPr/>
+          </a:p>
+        </p:txBody>
+      </p:sp>
+      <p:sp>
+        <p:nvSpPr>
+          <p:cNvPr id="102" name="Google Shape;102;p13:notes"/>
+          <p:cNvSpPr>
+            <a:spLocks noGrp="1" noRot="1" noChangeAspect="1"/>
+          </p:cNvSpPr>
+          <p:nvPr>
+            <p:ph type="sldImg" idx="2"/>
+          </p:nvPr>
+        </p:nvSpPr>
+        <p:spPr>
+          <a:xfrm>
+            <a:off x="381000" y="685800"/>
+            <a:ext cx="6096000" cy="3429000"/>
+          </a:xfrm>
+          <a:custGeom>
+            <a:avLst/>
+            <a:gdLst/>
+            <a:ahLst/>
+            <a:cxnLst/>
+            <a:rect l="l" t="t" r="r" b="b"/>
+            <a:pathLst>
+              <a:path w="120000" h="120000" extrusionOk="0">
+                <a:moveTo>
+                  <a:pt x="0" y="0"/>
+                </a:moveTo>
+                <a:lnTo>
+                  <a:pt x="120000" y="0"/>
+                </a:lnTo>
+                <a:lnTo>
+                  <a:pt x="120000" y="120000"/>
+                </a:lnTo>
+                <a:lnTo>
+                  <a:pt x="0" y="120000"/>
+                </a:lnTo>
+                <a:close/>
+              </a:path>
+            </a:pathLst>
+          </a:custGeom>
+        </p:spPr>
+      </p:sp>
+    </p:spTree>
+    <p:extLst>
+      <p:ext uri="{BB962C8B-B14F-4D97-AF65-F5344CB8AC3E}">
+        <p14:creationId xmlns:p14="http://schemas.microsoft.com/office/powerpoint/2010/main" val="1264318310"/>
+      </p:ext>
+    </p:extLst>
+  </p:cSld>
+  <p:clrMapOvr>
+    <a:masterClrMapping/>
+  </p:clrMapOvr>
+</p:notes>
+</file>
+
+<file path=ppt/notesSlides/notesSlide4.xml><?xml version="1.0" encoding="utf-8"?>
+<p:notes xmlns:a="http://schemas.openxmlformats.org/drawingml/2006/main" xmlns:r="http://schemas.openxmlformats.org/officeDocument/2006/relationships" xmlns:p="http://schemas.openxmlformats.org/presentationml/2006/main" showMasterSp="0" showMasterPhAnim="0">
+  <p:cSld>
+    <p:spTree>
+      <p:nvGrpSpPr>
+        <p:cNvPr id="1" name="Shape 100"/>
+        <p:cNvGrpSpPr/>
+        <p:nvPr/>
+      </p:nvGrpSpPr>
+      <p:grpSpPr>
+        <a:xfrm>
+          <a:off x="0" y="0"/>
+          <a:ext cx="0" cy="0"/>
+          <a:chOff x="0" y="0"/>
+          <a:chExt cx="0" cy="0"/>
+        </a:xfrm>
+      </p:grpSpPr>
+      <p:sp>
+        <p:nvSpPr>
+          <p:cNvPr id="101" name="Google Shape;101;p13:notes"/>
+          <p:cNvSpPr txBox="1">
+            <a:spLocks noGrp="1"/>
+          </p:cNvSpPr>
+          <p:nvPr>
+            <p:ph type="body" idx="1"/>
+          </p:nvPr>
+        </p:nvSpPr>
+        <p:spPr>
+          <a:xfrm>
+            <a:off x="685800" y="4343400"/>
+            <a:ext cx="5486400" cy="4114800"/>
+          </a:xfrm>
+          <a:prstGeom prst="rect">
+            <a:avLst/>
+          </a:prstGeom>
+        </p:spPr>
+        <p:txBody>
+          <a:bodyPr spcFirstLastPara="1" wrap="square" lIns="91425" tIns="91425" rIns="91425" bIns="91425" anchor="t" anchorCtr="0">
+            <a:noAutofit/>
+          </a:bodyPr>
+          <a:lstStyle/>
+          <a:p>
+            <a:pPr marL="0" lvl="0" indent="0" algn="l" rtl="0">
+              <a:spcBef>
+                <a:spcPts val="0"/>
+              </a:spcBef>
+              <a:spcAft>
+                <a:spcPts val="0"/>
+              </a:spcAft>
+              <a:buNone/>
+            </a:pPr>
+            <a:endParaRPr/>
+          </a:p>
+        </p:txBody>
+      </p:sp>
+      <p:sp>
+        <p:nvSpPr>
+          <p:cNvPr id="102" name="Google Shape;102;p13:notes"/>
+          <p:cNvSpPr>
+            <a:spLocks noGrp="1" noRot="1" noChangeAspect="1"/>
+          </p:cNvSpPr>
+          <p:nvPr>
+            <p:ph type="sldImg" idx="2"/>
+          </p:nvPr>
+        </p:nvSpPr>
+        <p:spPr>
+          <a:xfrm>
+            <a:off x="381000" y="685800"/>
+            <a:ext cx="6096000" cy="3429000"/>
+          </a:xfrm>
+          <a:custGeom>
+            <a:avLst/>
+            <a:gdLst/>
+            <a:ahLst/>
+            <a:cxnLst/>
+            <a:rect l="l" t="t" r="r" b="b"/>
+            <a:pathLst>
+              <a:path w="120000" h="120000" extrusionOk="0">
+                <a:moveTo>
+                  <a:pt x="0" y="0"/>
+                </a:moveTo>
+                <a:lnTo>
+                  <a:pt x="120000" y="0"/>
+                </a:lnTo>
+                <a:lnTo>
+                  <a:pt x="120000" y="120000"/>
+                </a:lnTo>
+                <a:lnTo>
+                  <a:pt x="0" y="120000"/>
+                </a:lnTo>
+                <a:close/>
+              </a:path>
+            </a:pathLst>
+          </a:custGeom>
+        </p:spPr>
+      </p:sp>
+    </p:spTree>
+  </p:cSld>
+  <p:clrMapOvr>
+    <a:masterClrMapping/>
+  </p:clrMapOvr>
+</p:notes>
+</file>
+
+<file path=ppt/notesSlides/notesSlide5.xml><?xml version="1.0" encoding="utf-8"?>
+<p:notes xmlns:a="http://schemas.openxmlformats.org/drawingml/2006/main" xmlns:r="http://schemas.openxmlformats.org/officeDocument/2006/relationships" xmlns:p="http://schemas.openxmlformats.org/presentationml/2006/main" showMasterSp="0" showMasterPhAnim="0">
+  <p:cSld>
+    <p:spTree>
+      <p:nvGrpSpPr>
+        <p:cNvPr id="1" name="Shape 107"/>
+        <p:cNvGrpSpPr/>
+        <p:nvPr/>
+      </p:nvGrpSpPr>
+      <p:grpSpPr>
+        <a:xfrm>
+          <a:off x="0" y="0"/>
+          <a:ext cx="0" cy="0"/>
+          <a:chOff x="0" y="0"/>
+          <a:chExt cx="0" cy="0"/>
+        </a:xfrm>
+      </p:grpSpPr>
+      <p:sp>
+        <p:nvSpPr>
+          <p:cNvPr id="108" name="Google Shape;108;p14:notes"/>
+          <p:cNvSpPr txBox="1">
+            <a:spLocks noGrp="1"/>
+          </p:cNvSpPr>
+          <p:nvPr>
+            <p:ph type="body" idx="1"/>
+          </p:nvPr>
+        </p:nvSpPr>
+        <p:spPr>
+          <a:xfrm>
+            <a:off x="685800" y="4343400"/>
+            <a:ext cx="5486400" cy="4114800"/>
+          </a:xfrm>
+          <a:prstGeom prst="rect">
+            <a:avLst/>
+          </a:prstGeom>
+        </p:spPr>
+        <p:txBody>
+          <a:bodyPr spcFirstLastPara="1" wrap="square" lIns="91425" tIns="91425" rIns="91425" bIns="91425" anchor="t" anchorCtr="0">
+            <a:noAutofit/>
+          </a:bodyPr>
+          <a:lstStyle/>
+          <a:p>
+            <a:pPr marL="0" lvl="0" indent="0" algn="l" rtl="0">
+              <a:spcBef>
+                <a:spcPts val="0"/>
+              </a:spcBef>
+              <a:spcAft>
+                <a:spcPts val="0"/>
+              </a:spcAft>
+              <a:buNone/>
+            </a:pPr>
+            <a:endParaRPr/>
+          </a:p>
+        </p:txBody>
+      </p:sp>
+      <p:sp>
+        <p:nvSpPr>
+          <p:cNvPr id="109" name="Google Shape;109;p14:notes"/>
+          <p:cNvSpPr>
+            <a:spLocks noGrp="1" noRot="1" noChangeAspect="1"/>
+          </p:cNvSpPr>
+          <p:nvPr>
+            <p:ph type="sldImg" idx="2"/>
+          </p:nvPr>
+        </p:nvSpPr>
+        <p:spPr>
+          <a:xfrm>
+            <a:off x="381000" y="685800"/>
+            <a:ext cx="6096000" cy="3429000"/>
+          </a:xfrm>
+          <a:custGeom>
+            <a:avLst/>
+            <a:gdLst/>
+            <a:ahLst/>
+            <a:cxnLst/>
+            <a:rect l="l" t="t" r="r" b="b"/>
+            <a:pathLst>
+              <a:path w="120000" h="120000" extrusionOk="0">
+                <a:moveTo>
+                  <a:pt x="0" y="0"/>
+                </a:moveTo>
+                <a:lnTo>
+                  <a:pt x="120000" y="0"/>
+                </a:lnTo>
+                <a:lnTo>
+                  <a:pt x="120000" y="120000"/>
+                </a:lnTo>
+                <a:lnTo>
+                  <a:pt x="0" y="120000"/>
+                </a:lnTo>
+                <a:close/>
+              </a:path>
+            </a:pathLst>
+          </a:custGeom>
+        </p:spPr>
+      </p:sp>
+    </p:spTree>
+  </p:cSld>
+  <p:clrMapOvr>
+    <a:masterClrMapping/>
+  </p:clrMapOvr>
+</p:notes>
+</file>
+
+<file path=ppt/notesSlides/notesSlide6.xml><?xml version="1.0" encoding="utf-8"?>
+<p:notes xmlns:a="http://schemas.openxmlformats.org/drawingml/2006/main" xmlns:r="http://schemas.openxmlformats.org/officeDocument/2006/relationships" xmlns:p="http://schemas.openxmlformats.org/presentationml/2006/main" showMasterSp="0" showMasterPhAnim="0">
+  <p:cSld>
+    <p:spTree>
+      <p:nvGrpSpPr>
+        <p:cNvPr id="1" name="Shape 114"/>
+        <p:cNvGrpSpPr/>
+        <p:nvPr/>
+      </p:nvGrpSpPr>
+      <p:grpSpPr>
+        <a:xfrm>
+          <a:off x="0" y="0"/>
+          <a:ext cx="0" cy="0"/>
+          <a:chOff x="0" y="0"/>
+          <a:chExt cx="0" cy="0"/>
+        </a:xfrm>
+      </p:grpSpPr>
+      <p:sp>
+        <p:nvSpPr>
+          <p:cNvPr id="115" name="Google Shape;115;p4:notes"/>
           <p:cNvSpPr txBox="1">
             <a:spLocks noGrp="1"/>
           </p:cNvSpPr>
@@ -3966,7 +4076,7 @@
       </p:sp>
       <p:sp>
         <p:nvSpPr>
-          <p:cNvPr id="122" name="Google Shape;122;p5:notes"/>
+          <p:cNvPr id="116" name="Google Shape;116;p4:notes"/>
           <p:cNvSpPr>
             <a:spLocks noGrp="1" noRot="1" noChangeAspect="1"/>
           </p:cNvSpPr>
@@ -4138,11 +4248,6 @@
         </p:spPr>
       </p:sp>
     </p:spTree>
-    <p:extLst>
-      <p:ext uri="{BB962C8B-B14F-4D97-AF65-F5344CB8AC3E}">
-        <p14:creationId xmlns:p14="http://schemas.microsoft.com/office/powerpoint/2010/main" val="3495951678"/>
-      </p:ext>
-    </p:extLst>
   </p:cSld>
   <p:clrMapOvr>
     <a:masterClrMapping/>
@@ -4155,7 +4260,7 @@
   <p:cSld>
     <p:spTree>
       <p:nvGrpSpPr>
-        <p:cNvPr id="1" name="Shape 127"/>
+        <p:cNvPr id="1" name="Shape 120"/>
         <p:cNvGrpSpPr/>
         <p:nvPr/>
       </p:nvGrpSpPr>
@@ -4169,7 +4274,7 @@
       </p:grpSpPr>
       <p:sp>
         <p:nvSpPr>
-          <p:cNvPr id="128" name="Google Shape;128;p6:notes"/>
+          <p:cNvPr id="121" name="Google Shape;121;p5:notes"/>
           <p:cNvSpPr txBox="1">
             <a:spLocks noGrp="1"/>
           </p:cNvSpPr>
@@ -4215,7 +4320,7 @@
       </p:sp>
       <p:sp>
         <p:nvSpPr>
-          <p:cNvPr id="129" name="Google Shape;129;p6:notes"/>
+          <p:cNvPr id="122" name="Google Shape;122;p5:notes"/>
           <p:cNvSpPr>
             <a:spLocks noGrp="1" noRot="1" noChangeAspect="1"/>
           </p:cNvSpPr>
@@ -4265,6 +4370,11 @@
         </p:spPr>
       </p:sp>
     </p:spTree>
+    <p:extLst>
+      <p:ext uri="{BB962C8B-B14F-4D97-AF65-F5344CB8AC3E}">
+        <p14:creationId xmlns:p14="http://schemas.microsoft.com/office/powerpoint/2010/main" val="3495951678"/>
+      </p:ext>
+    </p:extLst>
   </p:cSld>
   <p:clrMapOvr>
     <a:masterClrMapping/>
@@ -4277,7 +4387,7 @@
   <p:cSld>
     <p:spTree>
       <p:nvGrpSpPr>
-        <p:cNvPr id="1" name="Shape 133"/>
+        <p:cNvPr id="1" name="Shape 127"/>
         <p:cNvGrpSpPr/>
         <p:nvPr/>
       </p:nvGrpSpPr>
@@ -4291,7 +4401,7 @@
       </p:grpSpPr>
       <p:sp>
         <p:nvSpPr>
-          <p:cNvPr id="134" name="Google Shape;134;p7:notes"/>
+          <p:cNvPr id="128" name="Google Shape;128;p6:notes"/>
           <p:cNvSpPr txBox="1">
             <a:spLocks noGrp="1"/>
           </p:cNvSpPr>
@@ -4337,7 +4447,7 @@
       </p:sp>
       <p:sp>
         <p:nvSpPr>
-          <p:cNvPr id="135" name="Google Shape;135;p7:notes"/>
+          <p:cNvPr id="129" name="Google Shape;129;p6:notes"/>
           <p:cNvSpPr>
             <a:spLocks noGrp="1" noRot="1" noChangeAspect="1"/>
           </p:cNvSpPr>
@@ -12994,7 +13104,7 @@
   <p:cSld>
     <p:spTree>
       <p:nvGrpSpPr>
-        <p:cNvPr id="1" name="Shape 136"/>
+        <p:cNvPr id="1" name="Shape 130"/>
         <p:cNvGrpSpPr/>
         <p:nvPr/>
       </p:nvGrpSpPr>
@@ -13008,7 +13118,7 @@
       </p:grpSpPr>
       <p:sp>
         <p:nvSpPr>
-          <p:cNvPr id="137" name="Google Shape;137;p7"/>
+          <p:cNvPr id="131" name="Google Shape;131;p6"/>
           <p:cNvSpPr txBox="1">
             <a:spLocks noGrp="1"/>
           </p:cNvSpPr>
@@ -13052,6 +13162,130 @@
               <a:rPr lang="en-US" sz="3200" dirty="0">
                 <a:latin typeface="+mj-lt"/>
               </a:rPr>
+              <a:t>Data requirements</a:t>
+            </a:r>
+            <a:endParaRPr sz="3200" dirty="0">
+              <a:latin typeface="+mj-lt"/>
+            </a:endParaRPr>
+          </a:p>
+        </p:txBody>
+      </p:sp>
+      <p:sp>
+        <p:nvSpPr>
+          <p:cNvPr id="132" name="Google Shape;132;p6"/>
+          <p:cNvSpPr txBox="1">
+            <a:spLocks noGrp="1"/>
+          </p:cNvSpPr>
+          <p:nvPr>
+            <p:ph idx="1"/>
+          </p:nvPr>
+        </p:nvSpPr>
+        <p:spPr>
+          <a:prstGeom prst="rect">
+            <a:avLst/>
+          </a:prstGeom>
+          <a:noFill/>
+          <a:ln>
+            <a:noFill/>
+          </a:ln>
+        </p:spPr>
+        <p:txBody>
+          <a:bodyPr spcFirstLastPara="1" wrap="square" lIns="91425" tIns="45700" rIns="91425" bIns="45700" anchor="t" anchorCtr="0">
+            <a:normAutofit/>
+          </a:bodyPr>
+          <a:lstStyle/>
+          <a:p>
+            <a:pPr marL="228600" lvl="0" indent="-50800" algn="l" rtl="0">
+              <a:lnSpc>
+                <a:spcPct val="90000"/>
+              </a:lnSpc>
+              <a:spcBef>
+                <a:spcPts val="1000"/>
+              </a:spcBef>
+              <a:spcAft>
+                <a:spcPts val="2100"/>
+              </a:spcAft>
+              <a:buClr>
+                <a:schemeClr val="dk1"/>
+              </a:buClr>
+              <a:buSzPts val="2800"/>
+              <a:buNone/>
+            </a:pPr>
+            <a:endParaRPr dirty="0"/>
+          </a:p>
+        </p:txBody>
+      </p:sp>
+    </p:spTree>
+  </p:cSld>
+  <p:clrMapOvr>
+    <a:masterClrMapping/>
+  </p:clrMapOvr>
+</p:sld>
+</file>
+
+<file path=ppt/slides/slide11.xml><?xml version="1.0" encoding="utf-8"?>
+<p:sld xmlns:a="http://schemas.openxmlformats.org/drawingml/2006/main" xmlns:r="http://schemas.openxmlformats.org/officeDocument/2006/relationships" xmlns:p="http://schemas.openxmlformats.org/presentationml/2006/main" showMasterSp="0">
+  <p:cSld>
+    <p:spTree>
+      <p:nvGrpSpPr>
+        <p:cNvPr id="1" name="Shape 136"/>
+        <p:cNvGrpSpPr/>
+        <p:nvPr/>
+      </p:nvGrpSpPr>
+      <p:grpSpPr>
+        <a:xfrm>
+          <a:off x="0" y="0"/>
+          <a:ext cx="0" cy="0"/>
+          <a:chOff x="0" y="0"/>
+          <a:chExt cx="0" cy="0"/>
+        </a:xfrm>
+      </p:grpSpPr>
+      <p:sp>
+        <p:nvSpPr>
+          <p:cNvPr id="137" name="Google Shape;137;p7"/>
+          <p:cNvSpPr txBox="1">
+            <a:spLocks noGrp="1"/>
+          </p:cNvSpPr>
+          <p:nvPr>
+            <p:ph type="title"/>
+          </p:nvPr>
+        </p:nvSpPr>
+        <p:spPr>
+          <a:prstGeom prst="rect">
+            <a:avLst/>
+          </a:prstGeom>
+          <a:noFill/>
+          <a:ln>
+            <a:noFill/>
+          </a:ln>
+        </p:spPr>
+        <p:txBody>
+          <a:bodyPr spcFirstLastPara="1" wrap="square" lIns="91425" tIns="45700" rIns="91425" bIns="45700" anchor="ctr" anchorCtr="0">
+            <a:normAutofit/>
+          </a:bodyPr>
+          <a:lstStyle/>
+          <a:p>
+            <a:pPr marL="0" lvl="0" indent="0" algn="l" rtl="0">
+              <a:lnSpc>
+                <a:spcPct val="90000"/>
+              </a:lnSpc>
+              <a:spcBef>
+                <a:spcPts val="0"/>
+              </a:spcBef>
+              <a:spcAft>
+                <a:spcPts val="0"/>
+              </a:spcAft>
+              <a:buClr>
+                <a:schemeClr val="dk1"/>
+              </a:buClr>
+              <a:buSzPts val="4400"/>
+              <a:buFont typeface="Calibri"/>
+              <a:buNone/>
+            </a:pPr>
+            <a:r>
+              <a:rPr lang="en-US" sz="3200" dirty="0">
+                <a:latin typeface="+mj-lt"/>
+              </a:rPr>
               <a:t>Bugs and Enhancements</a:t>
             </a:r>
             <a:endParaRPr sz="3200" dirty="0">
@@ -13113,7 +13347,7 @@
 </p:sld>
 </file>
 
-<file path=ppt/slides/slide11.xml><?xml version="1.0" encoding="utf-8"?>
+<file path=ppt/slides/slide12.xml><?xml version="1.0" encoding="utf-8"?>
 <p:sld xmlns:a="http://schemas.openxmlformats.org/drawingml/2006/main" xmlns:r="http://schemas.openxmlformats.org/officeDocument/2006/relationships" xmlns:p="http://schemas.openxmlformats.org/presentationml/2006/main" showMasterSp="0">
   <p:cSld>
     <p:spTree>
@@ -14468,21 +14702,21 @@
           <a:chExt cx="0" cy="0"/>
         </a:xfrm>
       </p:grpSpPr>
-      <p:pic>
-        <p:nvPicPr>
-          <p:cNvPr id="111" name="Picture 110">
+      <p:sp>
+        <p:nvSpPr>
+          <p:cNvPr id="128" name="Rectangle 127">
             <a:extLst>
               <a:ext uri="{FF2B5EF4-FFF2-40B4-BE49-F238E27FC236}">
-                <a16:creationId xmlns:a16="http://schemas.microsoft.com/office/drawing/2014/main" id="{01CFC1BB-C5B3-4479-9752-C53221627F91}"/>
+                <a16:creationId xmlns:a16="http://schemas.microsoft.com/office/drawing/2014/main" id="{273E8A9A-DA4B-4F12-9331-219EBE5235D0}"/>
               </a:ext>
               <a:ext uri="{C183D7F6-B498-43B3-948B-1728B52AA6E4}">
                 <adec:decorative xmlns:adec="http://schemas.microsoft.com/office/drawing/2017/decorative" val="1"/>
               </a:ext>
             </a:extLst>
           </p:cNvPr>
-          <p:cNvPicPr>
-            <a:picLocks noGrp="1" noRot="1" noChangeAspect="1" noMove="1" noResize="1" noEditPoints="1" noAdjustHandles="1" noChangeArrowheads="1" noChangeShapeType="1" noCrop="1"/>
-          </p:cNvPicPr>
+          <p:cNvSpPr>
+            <a:spLocks noGrp="1" noRot="1" noChangeAspect="1" noMove="1" noResize="1" noEditPoints="1" noAdjustHandles="1" noChangeArrowheads="1" noChangeShapeType="1" noTextEdit="1"/>
+          </p:cNvSpPr>
           <p:nvPr>
             <p:extLst>
               <p:ext uri="{386F3935-93C4-4BCD-93E2-E3B085C9AB24}">
@@ -14490,156 +14724,17 @@
               </p:ext>
             </p:extLst>
           </p:nvPr>
-        </p:nvPicPr>
-        <p:blipFill>
-          <a:blip r:embed="rId3">
-            <a:alphaModFix amt="10000"/>
-            <a:extLst>
-              <a:ext uri="{28A0092B-C50C-407E-A947-70E740481C1C}">
-                <a14:useLocalDpi xmlns:a14="http://schemas.microsoft.com/office/drawing/2010/main" val="0"/>
-              </a:ext>
-            </a:extLst>
-          </a:blip>
-          <a:stretch>
-            <a:fillRect/>
-          </a:stretch>
-        </p:blipFill>
-        <p:spPr>
-          <a:xfrm>
-            <a:off x="0" y="0"/>
-            <a:ext cx="12192000" cy="6858000"/>
-          </a:xfrm>
-          <a:prstGeom prst="rect">
-            <a:avLst/>
-          </a:prstGeom>
-        </p:spPr>
-      </p:pic>
-      <p:pic>
-        <p:nvPicPr>
-          <p:cNvPr id="113" name="Picture 112">
-            <a:extLst>
-              <a:ext uri="{FF2B5EF4-FFF2-40B4-BE49-F238E27FC236}">
-                <a16:creationId xmlns:a16="http://schemas.microsoft.com/office/drawing/2014/main" id="{5B5FB5AC-39B2-4094-B486-0FCD501D5044}"/>
-              </a:ext>
-              <a:ext uri="{C183D7F6-B498-43B3-948B-1728B52AA6E4}">
-                <adec:decorative xmlns:adec="http://schemas.microsoft.com/office/drawing/2017/decorative" val="1"/>
-              </a:ext>
-            </a:extLst>
-          </p:cNvPr>
-          <p:cNvPicPr>
-            <a:picLocks noGrp="1" noRot="1" noChangeAspect="1" noMove="1" noResize="1" noEditPoints="1" noAdjustHandles="1" noChangeArrowheads="1" noChangeShapeType="1" noCrop="1"/>
-          </p:cNvPicPr>
-          <p:nvPr>
-            <p:extLst>
-              <p:ext uri="{386F3935-93C4-4BCD-93E2-E3B085C9AB24}">
-                <p16:designElem xmlns:p16="http://schemas.microsoft.com/office/powerpoint/2015/main" val="1"/>
-              </p:ext>
-            </p:extLst>
-          </p:nvPr>
-        </p:nvPicPr>
-        <p:blipFill>
-          <a:blip r:embed="rId4">
-            <a:extLst>
-              <a:ext uri="{28A0092B-C50C-407E-A947-70E740481C1C}">
-                <a14:useLocalDpi xmlns:a14="http://schemas.microsoft.com/office/drawing/2010/main" val="0"/>
-              </a:ext>
-            </a:extLst>
-          </a:blip>
-          <a:stretch>
-            <a:fillRect/>
-          </a:stretch>
-        </p:blipFill>
-        <p:spPr>
-          <a:xfrm>
-            <a:off x="1" y="4242851"/>
-            <a:ext cx="8968084" cy="275942"/>
-          </a:xfrm>
-          <a:prstGeom prst="rect">
-            <a:avLst/>
-          </a:prstGeom>
-        </p:spPr>
-      </p:pic>
-      <p:pic>
-        <p:nvPicPr>
-          <p:cNvPr id="115" name="Picture 114">
-            <a:extLst>
-              <a:ext uri="{FF2B5EF4-FFF2-40B4-BE49-F238E27FC236}">
-                <a16:creationId xmlns:a16="http://schemas.microsoft.com/office/drawing/2014/main" id="{7150CFE4-97B0-48C6-ACD6-9399CBA11906}"/>
-              </a:ext>
-              <a:ext uri="{C183D7F6-B498-43B3-948B-1728B52AA6E4}">
-                <adec:decorative xmlns:adec="http://schemas.microsoft.com/office/drawing/2017/decorative" val="1"/>
-              </a:ext>
-            </a:extLst>
-          </p:cNvPr>
-          <p:cNvPicPr>
-            <a:picLocks noGrp="1" noRot="1" noChangeAspect="1" noMove="1" noResize="1" noEditPoints="1" noAdjustHandles="1" noChangeArrowheads="1" noChangeShapeType="1" noCrop="1"/>
-          </p:cNvPicPr>
-          <p:nvPr>
-            <p:extLst>
-              <p:ext uri="{386F3935-93C4-4BCD-93E2-E3B085C9AB24}">
-                <p16:designElem xmlns:p16="http://schemas.microsoft.com/office/powerpoint/2015/main" val="1"/>
-              </p:ext>
-            </p:extLst>
-          </p:nvPr>
-        </p:nvPicPr>
-        <p:blipFill>
-          <a:blip r:embed="rId5">
-            <a:extLst>
-              <a:ext uri="{28A0092B-C50C-407E-A947-70E740481C1C}">
-                <a14:useLocalDpi xmlns:a14="http://schemas.microsoft.com/office/drawing/2010/main" val="0"/>
-              </a:ext>
-            </a:extLst>
-          </a:blip>
-          <a:stretch>
-            <a:fillRect/>
-          </a:stretch>
-        </p:blipFill>
-        <p:spPr>
-          <a:xfrm>
-            <a:off x="9111716" y="4243845"/>
-            <a:ext cx="3077108" cy="276940"/>
-          </a:xfrm>
-          <a:prstGeom prst="rect">
-            <a:avLst/>
-          </a:prstGeom>
-        </p:spPr>
-      </p:pic>
-      <p:sp>
-        <p:nvSpPr>
-          <p:cNvPr id="117" name="Rectangle 116">
-            <a:extLst>
-              <a:ext uri="{FF2B5EF4-FFF2-40B4-BE49-F238E27FC236}">
-                <a16:creationId xmlns:a16="http://schemas.microsoft.com/office/drawing/2014/main" id="{A3C6F7F0-46EA-4F8E-A112-1B517C2B5A00}"/>
-              </a:ext>
-              <a:ext uri="{C183D7F6-B498-43B3-948B-1728B52AA6E4}">
-                <adec:decorative xmlns:adec="http://schemas.microsoft.com/office/drawing/2017/decorative" val="1"/>
-              </a:ext>
-            </a:extLst>
-          </p:cNvPr>
-          <p:cNvSpPr>
-            <a:spLocks noGrp="1" noRot="1" noChangeAspect="1" noMove="1" noResize="1" noEditPoints="1" noAdjustHandles="1" noChangeArrowheads="1" noChangeShapeType="1" noTextEdit="1"/>
-          </p:cNvSpPr>
-          <p:nvPr>
-            <p:extLst>
-              <p:ext uri="{386F3935-93C4-4BCD-93E2-E3B085C9AB24}">
-                <p16:designElem xmlns:p16="http://schemas.microsoft.com/office/powerpoint/2015/main" val="1"/>
-              </p:ext>
-            </p:extLst>
-          </p:nvPr>
-        </p:nvSpPr>
-        <p:spPr>
-          <a:xfrm>
-            <a:off x="0" y="2590078"/>
-            <a:ext cx="8968085" cy="1660332"/>
+        </p:nvSpPr>
+        <p:spPr>
+          <a:xfrm>
+            <a:off x="11281776" y="0"/>
+            <a:ext cx="917634" cy="6858000"/>
           </a:xfrm>
           <a:prstGeom prst="rect">
             <a:avLst/>
           </a:prstGeom>
           <a:solidFill>
-            <a:schemeClr val="bg1">
-              <a:lumMod val="85000"/>
-              <a:lumOff val="15000"/>
-            </a:schemeClr>
+            <a:schemeClr val="accent1"/>
           </a:solidFill>
           <a:ln>
             <a:noFill/>
@@ -14662,12 +14757,58 @@
           </a:fontRef>
         </p:style>
       </p:sp>
-      <p:sp>
-        <p:nvSpPr>
-          <p:cNvPr id="119" name="Rectangle 118">
+      <p:pic>
+        <p:nvPicPr>
+          <p:cNvPr id="130" name="Picture 129">
             <a:extLst>
               <a:ext uri="{FF2B5EF4-FFF2-40B4-BE49-F238E27FC236}">
-                <a16:creationId xmlns:a16="http://schemas.microsoft.com/office/drawing/2014/main" id="{1691A3CC-CDA1-4C3B-9150-FCFB5373D82B}"/>
+                <a16:creationId xmlns:a16="http://schemas.microsoft.com/office/drawing/2014/main" id="{1C4DCE7A-0E46-404B-9E0D-E93DC7B2A861}"/>
+              </a:ext>
+              <a:ext uri="{C183D7F6-B498-43B3-948B-1728B52AA6E4}">
+                <adec:decorative xmlns:adec="http://schemas.microsoft.com/office/drawing/2017/decorative" val="1"/>
+              </a:ext>
+            </a:extLst>
+          </p:cNvPr>
+          <p:cNvPicPr>
+            <a:picLocks noGrp="1" noRot="1" noChangeAspect="1" noMove="1" noResize="1" noEditPoints="1" noAdjustHandles="1" noChangeArrowheads="1" noChangeShapeType="1" noCrop="1"/>
+          </p:cNvPicPr>
+          <p:nvPr>
+            <p:extLst>
+              <p:ext uri="{386F3935-93C4-4BCD-93E2-E3B085C9AB24}">
+                <p16:designElem xmlns:p16="http://schemas.microsoft.com/office/powerpoint/2015/main" val="1"/>
+              </p:ext>
+            </p:extLst>
+          </p:nvPr>
+        </p:nvPicPr>
+        <p:blipFill>
+          <a:blip r:embed="rId3">
+            <a:alphaModFix amt="10000"/>
+            <a:extLst>
+              <a:ext uri="{28A0092B-C50C-407E-A947-70E740481C1C}">
+                <a14:useLocalDpi xmlns:a14="http://schemas.microsoft.com/office/drawing/2010/main" val="0"/>
+              </a:ext>
+            </a:extLst>
+          </a:blip>
+          <a:stretch>
+            <a:fillRect/>
+          </a:stretch>
+        </p:blipFill>
+        <p:spPr>
+          <a:xfrm>
+            <a:off x="0" y="0"/>
+            <a:ext cx="12192000" cy="6858000"/>
+          </a:xfrm>
+          <a:prstGeom prst="rect">
+            <a:avLst/>
+          </a:prstGeom>
+        </p:spPr>
+      </p:pic>
+      <p:sp>
+        <p:nvSpPr>
+          <p:cNvPr id="132" name="Rectangle 131">
+            <a:extLst>
+              <a:ext uri="{FF2B5EF4-FFF2-40B4-BE49-F238E27FC236}">
+                <a16:creationId xmlns:a16="http://schemas.microsoft.com/office/drawing/2014/main" id="{ADD673B7-F6B7-43EE-936B-D09F3A337A3E}"/>
               </a:ext>
               <a:ext uri="{C183D7F6-B498-43B3-948B-1728B52AA6E4}">
                 <adec:decorative xmlns:adec="http://schemas.microsoft.com/office/drawing/2017/decorative" val="1"/>
@@ -14687,18 +14828,25 @@
         </p:nvSpPr>
         <p:spPr>
           <a:xfrm>
-            <a:off x="9111715" y="2590078"/>
-            <a:ext cx="3077109" cy="1660332"/>
+            <a:off x="0" y="0"/>
+            <a:ext cx="11281776" cy="6858000"/>
           </a:xfrm>
           <a:prstGeom prst="rect">
             <a:avLst/>
           </a:prstGeom>
           <a:solidFill>
-            <a:schemeClr val="accent1"/>
+            <a:schemeClr val="bg1"/>
           </a:solidFill>
           <a:ln>
             <a:noFill/>
           </a:ln>
+          <a:effectLst>
+            <a:outerShdw blurRad="88900" dist="38100" dir="2700000" algn="tl" rotWithShape="0">
+              <a:prstClr val="black">
+                <a:alpha val="30000"/>
+              </a:prstClr>
+            </a:outerShdw>
+          </a:effectLst>
         </p:spPr>
         <p:style>
           <a:lnRef idx="2">
@@ -14716,46 +14864,220 @@
             <a:schemeClr val="lt1"/>
           </a:fontRef>
         </p:style>
-      </p:sp>
+        <p:txBody>
+          <a:bodyPr rtlCol="0" anchor="ctr"/>
+          <a:lstStyle/>
+          <a:p>
+            <a:pPr algn="ctr"/>
+            <a:endParaRPr lang="en-US"/>
+          </a:p>
+        </p:txBody>
+      </p:sp>
+      <p:sp>
+        <p:nvSpPr>
+          <p:cNvPr id="105" name="Google Shape;105;p13"/>
+          <p:cNvSpPr txBox="1">
+            <a:spLocks noGrp="1"/>
+          </p:cNvSpPr>
+          <p:nvPr>
+            <p:ph type="title"/>
+          </p:nvPr>
+        </p:nvSpPr>
+        <p:spPr>
+          <a:xfrm>
+            <a:off x="6770849" y="643466"/>
+            <a:ext cx="3846292" cy="5205943"/>
+          </a:xfrm>
+          <a:prstGeom prst="rect">
+            <a:avLst/>
+          </a:prstGeom>
+        </p:spPr>
+        <p:txBody>
+          <a:bodyPr spcFirstLastPara="1" vert="horz" lIns="91440" tIns="45720" rIns="91440" bIns="45720" rtlCol="0" anchor="b" anchorCtr="0">
+            <a:normAutofit/>
+          </a:bodyPr>
+          <a:lstStyle/>
+          <a:p>
+            <a:pPr marL="0" lvl="0" indent="0" algn="r">
+              <a:spcAft>
+                <a:spcPts val="0"/>
+              </a:spcAft>
+              <a:buClr>
+                <a:schemeClr val="dk1"/>
+              </a:buClr>
+              <a:buSzPts val="1800"/>
+            </a:pPr>
+            <a:r>
+              <a:rPr lang="en-US" sz="4800">
+                <a:solidFill>
+                  <a:schemeClr val="accent1"/>
+                </a:solidFill>
+              </a:rPr>
+              <a:t>BMI Calculator</a:t>
+            </a:r>
+          </a:p>
+        </p:txBody>
+      </p:sp>
+      <p:sp>
+        <p:nvSpPr>
+          <p:cNvPr id="104" name="Google Shape;104;p13"/>
+          <p:cNvSpPr txBox="1">
+            <a:spLocks noGrp="1"/>
+          </p:cNvSpPr>
+          <p:nvPr>
+            <p:ph idx="1"/>
+          </p:nvPr>
+        </p:nvSpPr>
+        <p:spPr>
+          <a:xfrm>
+            <a:off x="680321" y="965200"/>
+            <a:ext cx="5410207" cy="4884209"/>
+          </a:xfrm>
+          <a:prstGeom prst="rect">
+            <a:avLst/>
+          </a:prstGeom>
+        </p:spPr>
+        <p:txBody>
+          <a:bodyPr spcFirstLastPara="1" vert="horz" lIns="91440" tIns="45720" rIns="91440" bIns="45720" rtlCol="0" anchor="ctr" anchorCtr="0">
+            <a:normAutofit/>
+          </a:bodyPr>
+          <a:lstStyle/>
+          <a:p>
+            <a:pPr marL="0" lvl="0" indent="0">
+              <a:spcAft>
+                <a:spcPts val="0"/>
+              </a:spcAft>
+              <a:buClr>
+                <a:schemeClr val="dk1"/>
+              </a:buClr>
+              <a:buSzPts val="1800"/>
+              <a:buNone/>
+            </a:pPr>
+            <a:r>
+              <a:rPr lang="en-US" sz="2000"/>
+              <a:t>FILL THIS IN</a:t>
+            </a:r>
+            <a:endParaRPr lang="en-US" sz="2000" dirty="0"/>
+          </a:p>
+        </p:txBody>
+      </p:sp>
+    </p:spTree>
+    <p:extLst>
+      <p:ext uri="{BB962C8B-B14F-4D97-AF65-F5344CB8AC3E}">
+        <p14:creationId xmlns:p14="http://schemas.microsoft.com/office/powerpoint/2010/main" val="3939814935"/>
+      </p:ext>
+    </p:extLst>
+  </p:cSld>
+  <p:clrMapOvr>
+    <a:masterClrMapping/>
+  </p:clrMapOvr>
+</p:sld>
+</file>
+
+<file path=ppt/slides/slide5.xml><?xml version="1.0" encoding="utf-8"?>
+<p:sld xmlns:a="http://schemas.openxmlformats.org/drawingml/2006/main" xmlns:r="http://schemas.openxmlformats.org/officeDocument/2006/relationships" xmlns:p="http://schemas.openxmlformats.org/presentationml/2006/main">
+  <p:cSld>
+    <p:bg>
+      <p:bgPr>
+        <a:gradFill rotWithShape="1">
+          <a:gsLst>
+            <a:gs pos="0">
+              <a:schemeClr val="bg2">
+                <a:tint val="96000"/>
+                <a:shade val="100000"/>
+                <a:hueMod val="270000"/>
+                <a:satMod val="200000"/>
+                <a:lumMod val="128000"/>
+              </a:schemeClr>
+            </a:gs>
+            <a:gs pos="50000">
+              <a:schemeClr val="bg2">
+                <a:shade val="100000"/>
+                <a:hueMod val="100000"/>
+                <a:satMod val="110000"/>
+                <a:lumMod val="130000"/>
+              </a:schemeClr>
+            </a:gs>
+            <a:gs pos="100000">
+              <a:schemeClr val="bg2">
+                <a:shade val="78000"/>
+                <a:hueMod val="44000"/>
+                <a:satMod val="200000"/>
+                <a:lumMod val="69000"/>
+              </a:schemeClr>
+            </a:gs>
+          </a:gsLst>
+          <a:lin ang="2520000" scaled="0"/>
+        </a:gradFill>
+        <a:effectLst/>
+      </p:bgPr>
+    </p:bg>
+    <p:spTree>
+      <p:nvGrpSpPr>
+        <p:cNvPr id="1" name="Shape 103"/>
+        <p:cNvGrpSpPr/>
+        <p:nvPr/>
+      </p:nvGrpSpPr>
+      <p:grpSpPr>
+        <a:xfrm>
+          <a:off x="0" y="0"/>
+          <a:ext cx="0" cy="0"/>
+          <a:chOff x="0" y="0"/>
+          <a:chExt cx="0" cy="0"/>
+        </a:xfrm>
+      </p:grpSpPr>
       <p:pic>
         <p:nvPicPr>
-          <p:cNvPr id="107" name="Picture 106" descr="Person pointing on a map">
+          <p:cNvPr id="111" name="Picture 110">
             <a:extLst>
               <a:ext uri="{FF2B5EF4-FFF2-40B4-BE49-F238E27FC236}">
-                <a16:creationId xmlns:a16="http://schemas.microsoft.com/office/drawing/2014/main" id="{42D8EAA5-0DCA-6D92-95DF-4049A6220062}"/>
+                <a16:creationId xmlns:a16="http://schemas.microsoft.com/office/drawing/2014/main" id="{01CFC1BB-C5B3-4479-9752-C53221627F91}"/>
+              </a:ext>
+              <a:ext uri="{C183D7F6-B498-43B3-948B-1728B52AA6E4}">
+                <adec:decorative xmlns:adec="http://schemas.microsoft.com/office/drawing/2017/decorative" val="1"/>
               </a:ext>
             </a:extLst>
           </p:cNvPr>
           <p:cNvPicPr>
-            <a:picLocks noChangeAspect="1"/>
+            <a:picLocks noGrp="1" noRot="1" noChangeAspect="1" noMove="1" noResize="1" noEditPoints="1" noAdjustHandles="1" noChangeArrowheads="1" noChangeShapeType="1" noCrop="1"/>
           </p:cNvPicPr>
-          <p:nvPr/>
+          <p:nvPr>
+            <p:extLst>
+              <p:ext uri="{386F3935-93C4-4BCD-93E2-E3B085C9AB24}">
+                <p16:designElem xmlns:p16="http://schemas.microsoft.com/office/powerpoint/2015/main" val="1"/>
+              </p:ext>
+            </p:extLst>
+          </p:nvPr>
         </p:nvPicPr>
-        <p:blipFill rotWithShape="1">
-          <a:blip r:embed="rId6"/>
-          <a:srcRect l="14531" r="26142" b="-1"/>
-          <a:stretch/>
+        <p:blipFill>
+          <a:blip r:embed="rId3">
+            <a:alphaModFix amt="10000"/>
+            <a:extLst>
+              <a:ext uri="{28A0092B-C50C-407E-A947-70E740481C1C}">
+                <a14:useLocalDpi xmlns:a14="http://schemas.microsoft.com/office/drawing/2010/main" val="0"/>
+              </a:ext>
+            </a:extLst>
+          </a:blip>
+          <a:stretch>
+            <a:fillRect/>
+          </a:stretch>
         </p:blipFill>
         <p:spPr>
           <a:xfrm>
-            <a:off x="6093556" y="10"/>
-            <a:ext cx="6095267" cy="6857990"/>
+            <a:off x="0" y="0"/>
+            <a:ext cx="12192000" cy="6858000"/>
           </a:xfrm>
           <a:prstGeom prst="rect">
             <a:avLst/>
           </a:prstGeom>
-          <a:ln>
-            <a:noFill/>
-          </a:ln>
-          <a:effectLst/>
         </p:spPr>
       </p:pic>
       <p:pic>
         <p:nvPicPr>
-          <p:cNvPr id="121" name="Picture 120">
+          <p:cNvPr id="113" name="Picture 112">
             <a:extLst>
               <a:ext uri="{FF2B5EF4-FFF2-40B4-BE49-F238E27FC236}">
-                <a16:creationId xmlns:a16="http://schemas.microsoft.com/office/drawing/2014/main" id="{0A59D270-32B9-42B3-935F-106B21241470}"/>
+                <a16:creationId xmlns:a16="http://schemas.microsoft.com/office/drawing/2014/main" id="{5B5FB5AC-39B2-4094-B486-0FCD501D5044}"/>
               </a:ext>
               <a:ext uri="{C183D7F6-B498-43B3-948B-1728B52AA6E4}">
                 <adec:decorative xmlns:adec="http://schemas.microsoft.com/office/drawing/2017/decorative" val="1"/>
@@ -14787,20 +15109,65 @@
         </p:blipFill>
         <p:spPr>
           <a:xfrm>
-            <a:off x="1" y="4688333"/>
-            <a:ext cx="6400800" cy="185701"/>
+            <a:off x="1" y="4242851"/>
+            <a:ext cx="8968084" cy="275942"/>
           </a:xfrm>
           <a:prstGeom prst="rect">
             <a:avLst/>
           </a:prstGeom>
         </p:spPr>
       </p:pic>
-      <p:sp>
-        <p:nvSpPr>
-          <p:cNvPr id="123" name="Rectangle 122">
+      <p:pic>
+        <p:nvPicPr>
+          <p:cNvPr id="115" name="Picture 114">
             <a:extLst>
               <a:ext uri="{FF2B5EF4-FFF2-40B4-BE49-F238E27FC236}">
-                <a16:creationId xmlns:a16="http://schemas.microsoft.com/office/drawing/2014/main" id="{1D369348-41FF-46AE-8D88-31B1A1C4E9AD}"/>
+                <a16:creationId xmlns:a16="http://schemas.microsoft.com/office/drawing/2014/main" id="{7150CFE4-97B0-48C6-ACD6-9399CBA11906}"/>
+              </a:ext>
+              <a:ext uri="{C183D7F6-B498-43B3-948B-1728B52AA6E4}">
+                <adec:decorative xmlns:adec="http://schemas.microsoft.com/office/drawing/2017/decorative" val="1"/>
+              </a:ext>
+            </a:extLst>
+          </p:cNvPr>
+          <p:cNvPicPr>
+            <a:picLocks noGrp="1" noRot="1" noChangeAspect="1" noMove="1" noResize="1" noEditPoints="1" noAdjustHandles="1" noChangeArrowheads="1" noChangeShapeType="1" noCrop="1"/>
+          </p:cNvPicPr>
+          <p:nvPr>
+            <p:extLst>
+              <p:ext uri="{386F3935-93C4-4BCD-93E2-E3B085C9AB24}">
+                <p16:designElem xmlns:p16="http://schemas.microsoft.com/office/powerpoint/2015/main" val="1"/>
+              </p:ext>
+            </p:extLst>
+          </p:nvPr>
+        </p:nvPicPr>
+        <p:blipFill>
+          <a:blip r:embed="rId5">
+            <a:extLst>
+              <a:ext uri="{28A0092B-C50C-407E-A947-70E740481C1C}">
+                <a14:useLocalDpi xmlns:a14="http://schemas.microsoft.com/office/drawing/2010/main" val="0"/>
+              </a:ext>
+            </a:extLst>
+          </a:blip>
+          <a:stretch>
+            <a:fillRect/>
+          </a:stretch>
+        </p:blipFill>
+        <p:spPr>
+          <a:xfrm>
+            <a:off x="9111716" y="4243845"/>
+            <a:ext cx="3077108" cy="276940"/>
+          </a:xfrm>
+          <a:prstGeom prst="rect">
+            <a:avLst/>
+          </a:prstGeom>
+        </p:spPr>
+      </p:pic>
+      <p:sp>
+        <p:nvSpPr>
+          <p:cNvPr id="117" name="Rectangle 116">
+            <a:extLst>
+              <a:ext uri="{FF2B5EF4-FFF2-40B4-BE49-F238E27FC236}">
+                <a16:creationId xmlns:a16="http://schemas.microsoft.com/office/drawing/2014/main" id="{A3C6F7F0-46EA-4F8E-A112-1B517C2B5A00}"/>
               </a:ext>
               <a:ext uri="{C183D7F6-B498-43B3-948B-1728B52AA6E4}">
                 <adec:decorative xmlns:adec="http://schemas.microsoft.com/office/drawing/2017/decorative" val="1"/>
@@ -14820,8 +15187,8 @@
         </p:nvSpPr>
         <p:spPr>
           <a:xfrm>
-            <a:off x="-1" y="2162908"/>
-            <a:ext cx="6411743" cy="2532185"/>
+            <a:off x="0" y="2590078"/>
+            <a:ext cx="8968085" cy="1660332"/>
           </a:xfrm>
           <a:prstGeom prst="rect">
             <a:avLst/>
@@ -14855,6 +15222,197 @@
       </p:sp>
       <p:sp>
         <p:nvSpPr>
+          <p:cNvPr id="119" name="Rectangle 118">
+            <a:extLst>
+              <a:ext uri="{FF2B5EF4-FFF2-40B4-BE49-F238E27FC236}">
+                <a16:creationId xmlns:a16="http://schemas.microsoft.com/office/drawing/2014/main" id="{1691A3CC-CDA1-4C3B-9150-FCFB5373D82B}"/>
+              </a:ext>
+              <a:ext uri="{C183D7F6-B498-43B3-948B-1728B52AA6E4}">
+                <adec:decorative xmlns:adec="http://schemas.microsoft.com/office/drawing/2017/decorative" val="1"/>
+              </a:ext>
+            </a:extLst>
+          </p:cNvPr>
+          <p:cNvSpPr>
+            <a:spLocks noGrp="1" noRot="1" noChangeAspect="1" noMove="1" noResize="1" noEditPoints="1" noAdjustHandles="1" noChangeArrowheads="1" noChangeShapeType="1" noTextEdit="1"/>
+          </p:cNvSpPr>
+          <p:nvPr>
+            <p:extLst>
+              <p:ext uri="{386F3935-93C4-4BCD-93E2-E3B085C9AB24}">
+                <p16:designElem xmlns:p16="http://schemas.microsoft.com/office/powerpoint/2015/main" val="1"/>
+              </p:ext>
+            </p:extLst>
+          </p:nvPr>
+        </p:nvSpPr>
+        <p:spPr>
+          <a:xfrm>
+            <a:off x="9111715" y="2590078"/>
+            <a:ext cx="3077109" cy="1660332"/>
+          </a:xfrm>
+          <a:prstGeom prst="rect">
+            <a:avLst/>
+          </a:prstGeom>
+          <a:solidFill>
+            <a:schemeClr val="accent1"/>
+          </a:solidFill>
+          <a:ln>
+            <a:noFill/>
+          </a:ln>
+        </p:spPr>
+        <p:style>
+          <a:lnRef idx="2">
+            <a:schemeClr val="accent1">
+              <a:shade val="50000"/>
+            </a:schemeClr>
+          </a:lnRef>
+          <a:fillRef idx="1">
+            <a:schemeClr val="accent1"/>
+          </a:fillRef>
+          <a:effectRef idx="0">
+            <a:schemeClr val="accent1"/>
+          </a:effectRef>
+          <a:fontRef idx="minor">
+            <a:schemeClr val="lt1"/>
+          </a:fontRef>
+        </p:style>
+      </p:sp>
+      <p:pic>
+        <p:nvPicPr>
+          <p:cNvPr id="107" name="Picture 106" descr="Person pointing on a map">
+            <a:extLst>
+              <a:ext uri="{FF2B5EF4-FFF2-40B4-BE49-F238E27FC236}">
+                <a16:creationId xmlns:a16="http://schemas.microsoft.com/office/drawing/2014/main" id="{42D8EAA5-0DCA-6D92-95DF-4049A6220062}"/>
+              </a:ext>
+            </a:extLst>
+          </p:cNvPr>
+          <p:cNvPicPr>
+            <a:picLocks noChangeAspect="1"/>
+          </p:cNvPicPr>
+          <p:nvPr/>
+        </p:nvPicPr>
+        <p:blipFill rotWithShape="1">
+          <a:blip r:embed="rId6"/>
+          <a:srcRect l="14531" r="26142" b="-1"/>
+          <a:stretch/>
+        </p:blipFill>
+        <p:spPr>
+          <a:xfrm>
+            <a:off x="6093556" y="10"/>
+            <a:ext cx="6095267" cy="6857990"/>
+          </a:xfrm>
+          <a:prstGeom prst="rect">
+            <a:avLst/>
+          </a:prstGeom>
+          <a:ln>
+            <a:noFill/>
+          </a:ln>
+          <a:effectLst/>
+        </p:spPr>
+      </p:pic>
+      <p:pic>
+        <p:nvPicPr>
+          <p:cNvPr id="121" name="Picture 120">
+            <a:extLst>
+              <a:ext uri="{FF2B5EF4-FFF2-40B4-BE49-F238E27FC236}">
+                <a16:creationId xmlns:a16="http://schemas.microsoft.com/office/drawing/2014/main" id="{0A59D270-32B9-42B3-935F-106B21241470}"/>
+              </a:ext>
+              <a:ext uri="{C183D7F6-B498-43B3-948B-1728B52AA6E4}">
+                <adec:decorative xmlns:adec="http://schemas.microsoft.com/office/drawing/2017/decorative" val="1"/>
+              </a:ext>
+            </a:extLst>
+          </p:cNvPr>
+          <p:cNvPicPr>
+            <a:picLocks noGrp="1" noRot="1" noChangeAspect="1" noMove="1" noResize="1" noEditPoints="1" noAdjustHandles="1" noChangeArrowheads="1" noChangeShapeType="1" noCrop="1"/>
+          </p:cNvPicPr>
+          <p:nvPr>
+            <p:extLst>
+              <p:ext uri="{386F3935-93C4-4BCD-93E2-E3B085C9AB24}">
+                <p16:designElem xmlns:p16="http://schemas.microsoft.com/office/powerpoint/2015/main" val="1"/>
+              </p:ext>
+            </p:extLst>
+          </p:nvPr>
+        </p:nvPicPr>
+        <p:blipFill>
+          <a:blip r:embed="rId4">
+            <a:extLst>
+              <a:ext uri="{28A0092B-C50C-407E-A947-70E740481C1C}">
+                <a14:useLocalDpi xmlns:a14="http://schemas.microsoft.com/office/drawing/2010/main" val="0"/>
+              </a:ext>
+            </a:extLst>
+          </a:blip>
+          <a:stretch>
+            <a:fillRect/>
+          </a:stretch>
+        </p:blipFill>
+        <p:spPr>
+          <a:xfrm>
+            <a:off x="1" y="4688333"/>
+            <a:ext cx="6400800" cy="185701"/>
+          </a:xfrm>
+          <a:prstGeom prst="rect">
+            <a:avLst/>
+          </a:prstGeom>
+        </p:spPr>
+      </p:pic>
+      <p:sp>
+        <p:nvSpPr>
+          <p:cNvPr id="123" name="Rectangle 122">
+            <a:extLst>
+              <a:ext uri="{FF2B5EF4-FFF2-40B4-BE49-F238E27FC236}">
+                <a16:creationId xmlns:a16="http://schemas.microsoft.com/office/drawing/2014/main" id="{1D369348-41FF-46AE-8D88-31B1A1C4E9AD}"/>
+              </a:ext>
+              <a:ext uri="{C183D7F6-B498-43B3-948B-1728B52AA6E4}">
+                <adec:decorative xmlns:adec="http://schemas.microsoft.com/office/drawing/2017/decorative" val="1"/>
+              </a:ext>
+            </a:extLst>
+          </p:cNvPr>
+          <p:cNvSpPr>
+            <a:spLocks noGrp="1" noRot="1" noChangeAspect="1" noMove="1" noResize="1" noEditPoints="1" noAdjustHandles="1" noChangeArrowheads="1" noChangeShapeType="1" noTextEdit="1"/>
+          </p:cNvSpPr>
+          <p:nvPr>
+            <p:extLst>
+              <p:ext uri="{386F3935-93C4-4BCD-93E2-E3B085C9AB24}">
+                <p16:designElem xmlns:p16="http://schemas.microsoft.com/office/powerpoint/2015/main" val="1"/>
+              </p:ext>
+            </p:extLst>
+          </p:nvPr>
+        </p:nvSpPr>
+        <p:spPr>
+          <a:xfrm>
+            <a:off x="-1" y="2162908"/>
+            <a:ext cx="6411743" cy="2532185"/>
+          </a:xfrm>
+          <a:prstGeom prst="rect">
+            <a:avLst/>
+          </a:prstGeom>
+          <a:solidFill>
+            <a:schemeClr val="bg1">
+              <a:lumMod val="85000"/>
+              <a:lumOff val="15000"/>
+            </a:schemeClr>
+          </a:solidFill>
+          <a:ln>
+            <a:noFill/>
+          </a:ln>
+        </p:spPr>
+        <p:style>
+          <a:lnRef idx="2">
+            <a:schemeClr val="accent1">
+              <a:shade val="50000"/>
+            </a:schemeClr>
+          </a:lnRef>
+          <a:fillRef idx="1">
+            <a:schemeClr val="accent1"/>
+          </a:fillRef>
+          <a:effectRef idx="0">
+            <a:schemeClr val="accent1"/>
+          </a:effectRef>
+          <a:fontRef idx="minor">
+            <a:schemeClr val="lt1"/>
+          </a:fontRef>
+        </p:style>
+      </p:sp>
+      <p:sp>
+        <p:nvSpPr>
           <p:cNvPr id="105" name="Google Shape;105;p13"/>
           <p:cNvSpPr txBox="1">
             <a:spLocks noGrp="1"/>
@@ -14951,7 +15509,7 @@
 </p:sld>
 </file>
 
-<file path=ppt/slides/slide5.xml><?xml version="1.0" encoding="utf-8"?>
+<file path=ppt/slides/slide6.xml><?xml version="1.0" encoding="utf-8"?>
 <p:sld xmlns:a="http://schemas.openxmlformats.org/drawingml/2006/main" xmlns:r="http://schemas.openxmlformats.org/officeDocument/2006/relationships" xmlns:p="http://schemas.openxmlformats.org/presentationml/2006/main">
   <p:cSld>
     <p:bg>
@@ -15571,7 +16129,7 @@
 </p:sld>
 </file>
 
-<file path=ppt/slides/slide6.xml><?xml version="1.0" encoding="utf-8"?>
+<file path=ppt/slides/slide7.xml><?xml version="1.0" encoding="utf-8"?>
 <p:sld xmlns:a="http://schemas.openxmlformats.org/drawingml/2006/main" xmlns:r="http://schemas.openxmlformats.org/officeDocument/2006/relationships" xmlns:p="http://schemas.openxmlformats.org/presentationml/2006/main">
   <p:cSld>
     <p:bg>
@@ -16596,703 +17154,6 @@
 </p:sld>
 </file>
 
-<file path=ppt/slides/slide7.xml><?xml version="1.0" encoding="utf-8"?>
-<p:sld xmlns:a="http://schemas.openxmlformats.org/drawingml/2006/main" xmlns:r="http://schemas.openxmlformats.org/officeDocument/2006/relationships" xmlns:p="http://schemas.openxmlformats.org/presentationml/2006/main">
-  <p:cSld>
-    <p:bg>
-      <p:bgPr>
-        <a:solidFill>
-          <a:schemeClr val="bg1"/>
-        </a:solidFill>
-        <a:effectLst/>
-      </p:bgPr>
-    </p:bg>
-    <p:spTree>
-      <p:nvGrpSpPr>
-        <p:cNvPr id="1" name="Shape 123"/>
-        <p:cNvGrpSpPr/>
-        <p:nvPr/>
-      </p:nvGrpSpPr>
-      <p:grpSpPr>
-        <a:xfrm>
-          <a:off x="0" y="0"/>
-          <a:ext cx="0" cy="0"/>
-          <a:chOff x="0" y="0"/>
-          <a:chExt cx="0" cy="0"/>
-        </a:xfrm>
-      </p:grpSpPr>
-      <p:pic>
-        <p:nvPicPr>
-          <p:cNvPr id="150" name="Picture 128">
-            <a:extLst>
-              <a:ext uri="{FF2B5EF4-FFF2-40B4-BE49-F238E27FC236}">
-                <a16:creationId xmlns:a16="http://schemas.microsoft.com/office/drawing/2014/main" id="{5321D838-2C7E-4177-9DD3-DAC78324A2B2}"/>
-              </a:ext>
-              <a:ext uri="{C183D7F6-B498-43B3-948B-1728B52AA6E4}">
-                <adec:decorative xmlns:adec="http://schemas.microsoft.com/office/drawing/2017/decorative" val="1"/>
-              </a:ext>
-            </a:extLst>
-          </p:cNvPr>
-          <p:cNvPicPr>
-            <a:picLocks noGrp="1" noRot="1" noChangeAspect="1" noMove="1" noResize="1" noEditPoints="1" noAdjustHandles="1" noChangeArrowheads="1" noChangeShapeType="1" noCrop="1"/>
-          </p:cNvPicPr>
-          <p:nvPr>
-            <p:extLst>
-              <p:ext uri="{386F3935-93C4-4BCD-93E2-E3B085C9AB24}">
-                <p16:designElem xmlns:p16="http://schemas.microsoft.com/office/powerpoint/2015/main" val="1"/>
-              </p:ext>
-            </p:extLst>
-          </p:nvPr>
-        </p:nvPicPr>
-        <p:blipFill>
-          <a:blip r:embed="rId3">
-            <a:alphaModFix amt="10000"/>
-            <a:extLst>
-              <a:ext uri="{28A0092B-C50C-407E-A947-70E740481C1C}">
-                <a14:useLocalDpi xmlns:a14="http://schemas.microsoft.com/office/drawing/2010/main" val="0"/>
-              </a:ext>
-            </a:extLst>
-          </a:blip>
-          <a:stretch>
-            <a:fillRect/>
-          </a:stretch>
-        </p:blipFill>
-        <p:spPr>
-          <a:xfrm>
-            <a:off x="0" y="0"/>
-            <a:ext cx="12192000" cy="6858000"/>
-          </a:xfrm>
-          <a:prstGeom prst="rect">
-            <a:avLst/>
-          </a:prstGeom>
-        </p:spPr>
-      </p:pic>
-      <p:pic>
-        <p:nvPicPr>
-          <p:cNvPr id="151" name="Picture 130">
-            <a:extLst>
-              <a:ext uri="{FF2B5EF4-FFF2-40B4-BE49-F238E27FC236}">
-                <a16:creationId xmlns:a16="http://schemas.microsoft.com/office/drawing/2014/main" id="{0146E45C-1450-4186-B501-74F221F897A8}"/>
-              </a:ext>
-              <a:ext uri="{C183D7F6-B498-43B3-948B-1728B52AA6E4}">
-                <adec:decorative xmlns:adec="http://schemas.microsoft.com/office/drawing/2017/decorative" val="1"/>
-              </a:ext>
-            </a:extLst>
-          </p:cNvPr>
-          <p:cNvPicPr>
-            <a:picLocks noGrp="1" noRot="1" noChangeAspect="1" noMove="1" noResize="1" noEditPoints="1" noAdjustHandles="1" noChangeArrowheads="1" noChangeShapeType="1" noCrop="1"/>
-          </p:cNvPicPr>
-          <p:nvPr>
-            <p:extLst>
-              <p:ext uri="{386F3935-93C4-4BCD-93E2-E3B085C9AB24}">
-                <p16:designElem xmlns:p16="http://schemas.microsoft.com/office/powerpoint/2015/main" val="1"/>
-              </p:ext>
-            </p:extLst>
-          </p:nvPr>
-        </p:nvPicPr>
-        <p:blipFill>
-          <a:blip r:embed="rId4">
-            <a:extLst>
-              <a:ext uri="{28A0092B-C50C-407E-A947-70E740481C1C}">
-                <a14:useLocalDpi xmlns:a14="http://schemas.microsoft.com/office/drawing/2010/main" val="0"/>
-              </a:ext>
-            </a:extLst>
-          </a:blip>
-          <a:stretch>
-            <a:fillRect/>
-          </a:stretch>
-        </p:blipFill>
-        <p:spPr>
-          <a:xfrm>
-            <a:off x="1" y="4242851"/>
-            <a:ext cx="8968084" cy="275942"/>
-          </a:xfrm>
-          <a:prstGeom prst="rect">
-            <a:avLst/>
-          </a:prstGeom>
-        </p:spPr>
-      </p:pic>
-      <p:pic>
-        <p:nvPicPr>
-          <p:cNvPr id="152" name="Picture 132">
-            <a:extLst>
-              <a:ext uri="{FF2B5EF4-FFF2-40B4-BE49-F238E27FC236}">
-                <a16:creationId xmlns:a16="http://schemas.microsoft.com/office/drawing/2014/main" id="{EEDDA48B-BC04-4915-ADA3-A1A9522EB0D1}"/>
-              </a:ext>
-              <a:ext uri="{C183D7F6-B498-43B3-948B-1728B52AA6E4}">
-                <adec:decorative xmlns:adec="http://schemas.microsoft.com/office/drawing/2017/decorative" val="1"/>
-              </a:ext>
-            </a:extLst>
-          </p:cNvPr>
-          <p:cNvPicPr>
-            <a:picLocks noGrp="1" noRot="1" noChangeAspect="1" noMove="1" noResize="1" noEditPoints="1" noAdjustHandles="1" noChangeArrowheads="1" noChangeShapeType="1" noCrop="1"/>
-          </p:cNvPicPr>
-          <p:nvPr>
-            <p:extLst>
-              <p:ext uri="{386F3935-93C4-4BCD-93E2-E3B085C9AB24}">
-                <p16:designElem xmlns:p16="http://schemas.microsoft.com/office/powerpoint/2015/main" val="1"/>
-              </p:ext>
-            </p:extLst>
-          </p:nvPr>
-        </p:nvPicPr>
-        <p:blipFill>
-          <a:blip r:embed="rId5">
-            <a:extLst>
-              <a:ext uri="{28A0092B-C50C-407E-A947-70E740481C1C}">
-                <a14:useLocalDpi xmlns:a14="http://schemas.microsoft.com/office/drawing/2010/main" val="0"/>
-              </a:ext>
-            </a:extLst>
-          </a:blip>
-          <a:stretch>
-            <a:fillRect/>
-          </a:stretch>
-        </p:blipFill>
-        <p:spPr>
-          <a:xfrm>
-            <a:off x="9111716" y="4243845"/>
-            <a:ext cx="3077108" cy="276940"/>
-          </a:xfrm>
-          <a:prstGeom prst="rect">
-            <a:avLst/>
-          </a:prstGeom>
-        </p:spPr>
-      </p:pic>
-      <p:sp>
-        <p:nvSpPr>
-          <p:cNvPr id="153" name="Rectangle 134">
-            <a:extLst>
-              <a:ext uri="{FF2B5EF4-FFF2-40B4-BE49-F238E27FC236}">
-                <a16:creationId xmlns:a16="http://schemas.microsoft.com/office/drawing/2014/main" id="{78C9D07A-5A22-4E55-B18A-47CF07E5080D}"/>
-              </a:ext>
-              <a:ext uri="{C183D7F6-B498-43B3-948B-1728B52AA6E4}">
-                <adec:decorative xmlns:adec="http://schemas.microsoft.com/office/drawing/2017/decorative" val="1"/>
-              </a:ext>
-            </a:extLst>
-          </p:cNvPr>
-          <p:cNvSpPr>
-            <a:spLocks noGrp="1" noRot="1" noChangeAspect="1" noMove="1" noResize="1" noEditPoints="1" noAdjustHandles="1" noChangeArrowheads="1" noChangeShapeType="1" noTextEdit="1"/>
-          </p:cNvSpPr>
-          <p:nvPr>
-            <p:extLst>
-              <p:ext uri="{386F3935-93C4-4BCD-93E2-E3B085C9AB24}">
-                <p16:designElem xmlns:p16="http://schemas.microsoft.com/office/powerpoint/2015/main" val="1"/>
-              </p:ext>
-            </p:extLst>
-          </p:nvPr>
-        </p:nvSpPr>
-        <p:spPr>
-          <a:xfrm>
-            <a:off x="0" y="2590078"/>
-            <a:ext cx="8968085" cy="1660332"/>
-          </a:xfrm>
-          <a:prstGeom prst="rect">
-            <a:avLst/>
-          </a:prstGeom>
-          <a:solidFill>
-            <a:schemeClr val="bg1">
-              <a:lumMod val="85000"/>
-              <a:lumOff val="15000"/>
-            </a:schemeClr>
-          </a:solidFill>
-          <a:ln>
-            <a:noFill/>
-          </a:ln>
-        </p:spPr>
-        <p:style>
-          <a:lnRef idx="2">
-            <a:schemeClr val="accent1">
-              <a:shade val="50000"/>
-            </a:schemeClr>
-          </a:lnRef>
-          <a:fillRef idx="1">
-            <a:schemeClr val="accent1"/>
-          </a:fillRef>
-          <a:effectRef idx="0">
-            <a:schemeClr val="accent1"/>
-          </a:effectRef>
-          <a:fontRef idx="minor">
-            <a:schemeClr val="lt1"/>
-          </a:fontRef>
-        </p:style>
-      </p:sp>
-      <p:sp>
-        <p:nvSpPr>
-          <p:cNvPr id="154" name="Rectangle 136">
-            <a:extLst>
-              <a:ext uri="{FF2B5EF4-FFF2-40B4-BE49-F238E27FC236}">
-                <a16:creationId xmlns:a16="http://schemas.microsoft.com/office/drawing/2014/main" id="{3D71E629-0739-4A59-972B-A9E9A4500E31}"/>
-              </a:ext>
-              <a:ext uri="{C183D7F6-B498-43B3-948B-1728B52AA6E4}">
-                <adec:decorative xmlns:adec="http://schemas.microsoft.com/office/drawing/2017/decorative" val="1"/>
-              </a:ext>
-            </a:extLst>
-          </p:cNvPr>
-          <p:cNvSpPr>
-            <a:spLocks noGrp="1" noRot="1" noChangeAspect="1" noMove="1" noResize="1" noEditPoints="1" noAdjustHandles="1" noChangeArrowheads="1" noChangeShapeType="1" noTextEdit="1"/>
-          </p:cNvSpPr>
-          <p:nvPr>
-            <p:extLst>
-              <p:ext uri="{386F3935-93C4-4BCD-93E2-E3B085C9AB24}">
-                <p16:designElem xmlns:p16="http://schemas.microsoft.com/office/powerpoint/2015/main" val="1"/>
-              </p:ext>
-            </p:extLst>
-          </p:nvPr>
-        </p:nvSpPr>
-        <p:spPr>
-          <a:xfrm>
-            <a:off x="9111715" y="2590078"/>
-            <a:ext cx="3077109" cy="1660332"/>
-          </a:xfrm>
-          <a:prstGeom prst="rect">
-            <a:avLst/>
-          </a:prstGeom>
-          <a:solidFill>
-            <a:schemeClr val="accent1"/>
-          </a:solidFill>
-          <a:ln>
-            <a:noFill/>
-          </a:ln>
-        </p:spPr>
-        <p:style>
-          <a:lnRef idx="2">
-            <a:schemeClr val="accent1">
-              <a:shade val="50000"/>
-            </a:schemeClr>
-          </a:lnRef>
-          <a:fillRef idx="1">
-            <a:schemeClr val="accent1"/>
-          </a:fillRef>
-          <a:effectRef idx="0">
-            <a:schemeClr val="accent1"/>
-          </a:effectRef>
-          <a:fontRef idx="minor">
-            <a:schemeClr val="lt1"/>
-          </a:fontRef>
-        </p:style>
-      </p:sp>
-      <p:pic>
-        <p:nvPicPr>
-          <p:cNvPr id="155" name="Picture 138">
-            <a:extLst>
-              <a:ext uri="{FF2B5EF4-FFF2-40B4-BE49-F238E27FC236}">
-                <a16:creationId xmlns:a16="http://schemas.microsoft.com/office/drawing/2014/main" id="{AF9C2BBD-AAF7-4C85-9BE4-E4C2F52353FF}"/>
-              </a:ext>
-              <a:ext uri="{C183D7F6-B498-43B3-948B-1728B52AA6E4}">
-                <adec:decorative xmlns:adec="http://schemas.microsoft.com/office/drawing/2017/decorative" val="1"/>
-              </a:ext>
-            </a:extLst>
-          </p:cNvPr>
-          <p:cNvPicPr>
-            <a:picLocks noGrp="1" noRot="1" noChangeAspect="1" noMove="1" noResize="1" noEditPoints="1" noAdjustHandles="1" noChangeArrowheads="1" noChangeShapeType="1" noCrop="1"/>
-          </p:cNvPicPr>
-          <p:nvPr>
-            <p:extLst>
-              <p:ext uri="{386F3935-93C4-4BCD-93E2-E3B085C9AB24}">
-                <p16:designElem xmlns:p16="http://schemas.microsoft.com/office/powerpoint/2015/main" val="1"/>
-              </p:ext>
-            </p:extLst>
-          </p:nvPr>
-        </p:nvPicPr>
-        <p:blipFill>
-          <a:blip r:embed="rId3">
-            <a:alphaModFix amt="10000"/>
-            <a:extLst>
-              <a:ext uri="{28A0092B-C50C-407E-A947-70E740481C1C}">
-                <a14:useLocalDpi xmlns:a14="http://schemas.microsoft.com/office/drawing/2010/main" val="0"/>
-              </a:ext>
-            </a:extLst>
-          </a:blip>
-          <a:stretch>
-            <a:fillRect/>
-          </a:stretch>
-        </p:blipFill>
-        <p:spPr>
-          <a:xfrm>
-            <a:off x="0" y="0"/>
-            <a:ext cx="12192000" cy="6858000"/>
-          </a:xfrm>
-          <a:prstGeom prst="rect">
-            <a:avLst/>
-          </a:prstGeom>
-          <a:gradFill>
-            <a:gsLst>
-              <a:gs pos="0">
-                <a:srgbClr val="F78925"/>
-              </a:gs>
-              <a:gs pos="50000">
-                <a:srgbClr val="D54209"/>
-              </a:gs>
-              <a:gs pos="100000">
-                <a:srgbClr val="8D0000"/>
-              </a:gs>
-            </a:gsLst>
-            <a:lin ang="2520000" scaled="0"/>
-          </a:gradFill>
-        </p:spPr>
-      </p:pic>
-      <p:pic>
-        <p:nvPicPr>
-          <p:cNvPr id="156" name="Picture 140">
-            <a:extLst>
-              <a:ext uri="{FF2B5EF4-FFF2-40B4-BE49-F238E27FC236}">
-                <a16:creationId xmlns:a16="http://schemas.microsoft.com/office/drawing/2014/main" id="{AEEF8B78-E487-4E1A-8945-35B4041B02A3}"/>
-              </a:ext>
-              <a:ext uri="{C183D7F6-B498-43B3-948B-1728B52AA6E4}">
-                <adec:decorative xmlns:adec="http://schemas.microsoft.com/office/drawing/2017/decorative" val="1"/>
-              </a:ext>
-            </a:extLst>
-          </p:cNvPr>
-          <p:cNvPicPr>
-            <a:picLocks noGrp="1" noRot="1" noChangeAspect="1" noMove="1" noResize="1" noEditPoints="1" noAdjustHandles="1" noChangeArrowheads="1" noChangeShapeType="1" noCrop="1"/>
-          </p:cNvPicPr>
-          <p:nvPr>
-            <p:extLst>
-              <p:ext uri="{386F3935-93C4-4BCD-93E2-E3B085C9AB24}">
-                <p16:designElem xmlns:p16="http://schemas.microsoft.com/office/powerpoint/2015/main" val="1"/>
-              </p:ext>
-            </p:extLst>
-          </p:nvPr>
-        </p:nvPicPr>
-        <p:blipFill>
-          <a:blip r:embed="rId3">
-            <a:alphaModFix amt="10000"/>
-            <a:extLst>
-              <a:ext uri="{28A0092B-C50C-407E-A947-70E740481C1C}">
-                <a14:useLocalDpi xmlns:a14="http://schemas.microsoft.com/office/drawing/2010/main" val="0"/>
-              </a:ext>
-            </a:extLst>
-          </a:blip>
-          <a:stretch>
-            <a:fillRect/>
-          </a:stretch>
-        </p:blipFill>
-        <p:spPr>
-          <a:xfrm>
-            <a:off x="0" y="0"/>
-            <a:ext cx="12192000" cy="6858000"/>
-          </a:xfrm>
-          <a:prstGeom prst="rect">
-            <a:avLst/>
-          </a:prstGeom>
-        </p:spPr>
-      </p:pic>
-      <p:sp>
-        <p:nvSpPr>
-          <p:cNvPr id="157" name="Rectangle 142">
-            <a:extLst>
-              <a:ext uri="{FF2B5EF4-FFF2-40B4-BE49-F238E27FC236}">
-                <a16:creationId xmlns:a16="http://schemas.microsoft.com/office/drawing/2014/main" id="{B9B4F0B3-5A15-4AAD-B054-8BA92098722A}"/>
-              </a:ext>
-              <a:ext uri="{C183D7F6-B498-43B3-948B-1728B52AA6E4}">
-                <adec:decorative xmlns:adec="http://schemas.microsoft.com/office/drawing/2017/decorative" val="1"/>
-              </a:ext>
-            </a:extLst>
-          </p:cNvPr>
-          <p:cNvSpPr>
-            <a:spLocks noGrp="1" noRot="1" noChangeAspect="1" noMove="1" noResize="1" noEditPoints="1" noAdjustHandles="1" noChangeArrowheads="1" noChangeShapeType="1" noTextEdit="1"/>
-          </p:cNvSpPr>
-          <p:nvPr>
-            <p:extLst>
-              <p:ext uri="{386F3935-93C4-4BCD-93E2-E3B085C9AB24}">
-                <p16:designElem xmlns:p16="http://schemas.microsoft.com/office/powerpoint/2015/main" val="1"/>
-              </p:ext>
-            </p:extLst>
-          </p:nvPr>
-        </p:nvSpPr>
-        <p:spPr>
-          <a:xfrm>
-            <a:off x="4644527" y="0"/>
-            <a:ext cx="7552944" cy="6858001"/>
-          </a:xfrm>
-          <a:prstGeom prst="rect">
-            <a:avLst/>
-          </a:prstGeom>
-          <a:ln>
-            <a:noFill/>
-          </a:ln>
-        </p:spPr>
-        <p:style>
-          <a:lnRef idx="2">
-            <a:schemeClr val="accent1">
-              <a:shade val="50000"/>
-            </a:schemeClr>
-          </a:lnRef>
-          <a:fillRef idx="1">
-            <a:schemeClr val="accent1"/>
-          </a:fillRef>
-          <a:effectRef idx="0">
-            <a:schemeClr val="accent1"/>
-          </a:effectRef>
-          <a:fontRef idx="minor">
-            <a:schemeClr val="lt1"/>
-          </a:fontRef>
-        </p:style>
-        <p:txBody>
-          <a:bodyPr rtlCol="0" anchor="ctr"/>
-          <a:lstStyle/>
-          <a:p>
-            <a:pPr algn="ctr"/>
-            <a:endParaRPr lang="en-US"/>
-          </a:p>
-        </p:txBody>
-      </p:sp>
-      <p:pic>
-        <p:nvPicPr>
-          <p:cNvPr id="158" name="Picture 144">
-            <a:extLst>
-              <a:ext uri="{FF2B5EF4-FFF2-40B4-BE49-F238E27FC236}">
-                <a16:creationId xmlns:a16="http://schemas.microsoft.com/office/drawing/2014/main" id="{CCA43FE3-BC3A-4163-B2D9-721AA0F6F4D9}"/>
-              </a:ext>
-              <a:ext uri="{C183D7F6-B498-43B3-948B-1728B52AA6E4}">
-                <adec:decorative xmlns:adec="http://schemas.microsoft.com/office/drawing/2017/decorative" val="1"/>
-              </a:ext>
-            </a:extLst>
-          </p:cNvPr>
-          <p:cNvPicPr>
-            <a:picLocks noGrp="1" noRot="1" noChangeAspect="1" noMove="1" noResize="1" noEditPoints="1" noAdjustHandles="1" noChangeArrowheads="1" noChangeShapeType="1" noCrop="1"/>
-          </p:cNvPicPr>
-          <p:nvPr>
-            <p:extLst>
-              <p:ext uri="{386F3935-93C4-4BCD-93E2-E3B085C9AB24}">
-                <p16:designElem xmlns:p16="http://schemas.microsoft.com/office/powerpoint/2015/main" val="1"/>
-              </p:ext>
-            </p:extLst>
-          </p:nvPr>
-        </p:nvPicPr>
-        <p:blipFill>
-          <a:blip r:embed="rId6" cstate="print">
-            <a:extLst>
-              <a:ext uri="{28A0092B-C50C-407E-A947-70E740481C1C}">
-                <a14:useLocalDpi xmlns:a14="http://schemas.microsoft.com/office/drawing/2010/main" val="0"/>
-              </a:ext>
-            </a:extLst>
-          </a:blip>
-          <a:stretch>
-            <a:fillRect/>
-          </a:stretch>
-        </p:blipFill>
-        <p:spPr>
-          <a:xfrm>
-            <a:off x="1" y="5006045"/>
-            <a:ext cx="4965192" cy="144049"/>
-          </a:xfrm>
-          <a:prstGeom prst="rect">
-            <a:avLst/>
-          </a:prstGeom>
-        </p:spPr>
-      </p:pic>
-      <p:sp>
-        <p:nvSpPr>
-          <p:cNvPr id="159" name="Rectangle 146">
-            <a:extLst>
-              <a:ext uri="{FF2B5EF4-FFF2-40B4-BE49-F238E27FC236}">
-                <a16:creationId xmlns:a16="http://schemas.microsoft.com/office/drawing/2014/main" id="{488AAD42-9F71-4F14-AE1E-C05DCFC60600}"/>
-              </a:ext>
-              <a:ext uri="{C183D7F6-B498-43B3-948B-1728B52AA6E4}">
-                <adec:decorative xmlns:adec="http://schemas.microsoft.com/office/drawing/2017/decorative" val="1"/>
-              </a:ext>
-            </a:extLst>
-          </p:cNvPr>
-          <p:cNvSpPr>
-            <a:spLocks noGrp="1" noRot="1" noChangeAspect="1" noMove="1" noResize="1" noEditPoints="1" noAdjustHandles="1" noChangeArrowheads="1" noChangeShapeType="1" noTextEdit="1"/>
-          </p:cNvSpPr>
-          <p:nvPr>
-            <p:extLst>
-              <p:ext uri="{386F3935-93C4-4BCD-93E2-E3B085C9AB24}">
-                <p16:designElem xmlns:p16="http://schemas.microsoft.com/office/powerpoint/2015/main" val="1"/>
-              </p:ext>
-            </p:extLst>
-          </p:nvPr>
-        </p:nvSpPr>
-        <p:spPr>
-          <a:xfrm>
-            <a:off x="-1" y="1838764"/>
-            <a:ext cx="4964567" cy="3180473"/>
-          </a:xfrm>
-          <a:prstGeom prst="rect">
-            <a:avLst/>
-          </a:prstGeom>
-          <a:solidFill>
-            <a:srgbClr val="0D0D0D"/>
-          </a:solidFill>
-          <a:ln>
-            <a:noFill/>
-          </a:ln>
-        </p:spPr>
-        <p:style>
-          <a:lnRef idx="2">
-            <a:schemeClr val="accent1">
-              <a:shade val="50000"/>
-            </a:schemeClr>
-          </a:lnRef>
-          <a:fillRef idx="1">
-            <a:schemeClr val="accent1"/>
-          </a:fillRef>
-          <a:effectRef idx="0">
-            <a:schemeClr val="accent1"/>
-          </a:effectRef>
-          <a:fontRef idx="minor">
-            <a:schemeClr val="lt1"/>
-          </a:fontRef>
-        </p:style>
-      </p:sp>
-      <p:sp>
-        <p:nvSpPr>
-          <p:cNvPr id="124" name="Google Shape;124;p5"/>
-          <p:cNvSpPr txBox="1">
-            <a:spLocks noGrp="1"/>
-          </p:cNvSpPr>
-          <p:nvPr>
-            <p:ph type="title"/>
-          </p:nvPr>
-        </p:nvSpPr>
-        <p:spPr>
-          <a:xfrm>
-            <a:off x="680322" y="2063262"/>
-            <a:ext cx="3739278" cy="2661138"/>
-          </a:xfrm>
-          <a:prstGeom prst="rect">
-            <a:avLst/>
-          </a:prstGeom>
-        </p:spPr>
-        <p:txBody>
-          <a:bodyPr spcFirstLastPara="1" vert="horz" lIns="91440" tIns="45720" rIns="91440" bIns="45720" rtlCol="0" anchor="ctr" anchorCtr="0">
-            <a:normAutofit/>
-          </a:bodyPr>
-          <a:lstStyle/>
-          <a:p>
-            <a:pPr marL="0" lvl="0" indent="0" algn="r">
-              <a:spcAft>
-                <a:spcPts val="0"/>
-              </a:spcAft>
-              <a:buClr>
-                <a:schemeClr val="dk1"/>
-              </a:buClr>
-              <a:buSzPts val="4400"/>
-            </a:pPr>
-            <a:r>
-              <a:rPr lang="en-US" sz="5400">
-                <a:solidFill>
-                  <a:srgbClr val="FFFFFF"/>
-                </a:solidFill>
-              </a:rPr>
-              <a:t>Class Diagram</a:t>
-            </a:r>
-          </a:p>
-        </p:txBody>
-      </p:sp>
-      <p:sp>
-        <p:nvSpPr>
-          <p:cNvPr id="149" name="Rectangle 148">
-            <a:extLst>
-              <a:ext uri="{FF2B5EF4-FFF2-40B4-BE49-F238E27FC236}">
-                <a16:creationId xmlns:a16="http://schemas.microsoft.com/office/drawing/2014/main" id="{61B962C9-BE53-4915-9C0C-B53DCD378DA2}"/>
-              </a:ext>
-              <a:ext uri="{C183D7F6-B498-43B3-948B-1728B52AA6E4}">
-                <adec:decorative xmlns:adec="http://schemas.microsoft.com/office/drawing/2017/decorative" val="1"/>
-              </a:ext>
-            </a:extLst>
-          </p:cNvPr>
-          <p:cNvSpPr>
-            <a:spLocks noGrp="1" noRot="1" noChangeAspect="1" noMove="1" noResize="1" noEditPoints="1" noAdjustHandles="1" noChangeArrowheads="1" noChangeShapeType="1" noTextEdit="1"/>
-          </p:cNvSpPr>
-          <p:nvPr>
-            <p:extLst>
-              <p:ext uri="{386F3935-93C4-4BCD-93E2-E3B085C9AB24}">
-                <p16:designElem xmlns:p16="http://schemas.microsoft.com/office/powerpoint/2015/main" val="1"/>
-              </p:ext>
-            </p:extLst>
-          </p:nvPr>
-        </p:nvSpPr>
-        <p:spPr>
-          <a:xfrm>
-            <a:off x="5276090" y="642795"/>
-            <a:ext cx="6272654" cy="5575126"/>
-          </a:xfrm>
-          <a:prstGeom prst="rect">
-            <a:avLst/>
-          </a:prstGeom>
-          <a:solidFill>
-            <a:schemeClr val="bg1"/>
-          </a:solidFill>
-          <a:ln>
-            <a:noFill/>
-          </a:ln>
-          <a:effectLst>
-            <a:outerShdw blurRad="76200" dist="63500" dir="5040000" algn="t" rotWithShape="0">
-              <a:prstClr val="black">
-                <a:alpha val="41000"/>
-              </a:prstClr>
-            </a:outerShdw>
-          </a:effectLst>
-        </p:spPr>
-        <p:style>
-          <a:lnRef idx="2">
-            <a:schemeClr val="accent1">
-              <a:shade val="50000"/>
-            </a:schemeClr>
-          </a:lnRef>
-          <a:fillRef idx="1">
-            <a:schemeClr val="accent1"/>
-          </a:fillRef>
-          <a:effectRef idx="0">
-            <a:schemeClr val="accent1"/>
-          </a:effectRef>
-          <a:fontRef idx="minor">
-            <a:schemeClr val="lt1"/>
-          </a:fontRef>
-        </p:style>
-        <p:txBody>
-          <a:bodyPr rtlCol="0" anchor="ctr"/>
-          <a:lstStyle/>
-          <a:p>
-            <a:pPr algn="ctr"/>
-            <a:endParaRPr lang="en-US"/>
-          </a:p>
-        </p:txBody>
-      </p:sp>
-      <p:pic>
-        <p:nvPicPr>
-          <p:cNvPr id="3" name="Picture 2" descr="Graphical user interface, website&#10;&#10;Description automatically generated">
-            <a:extLst>
-              <a:ext uri="{FF2B5EF4-FFF2-40B4-BE49-F238E27FC236}">
-                <a16:creationId xmlns:a16="http://schemas.microsoft.com/office/drawing/2014/main" id="{557B61DB-30B2-6761-3AD1-307C83E1A355}"/>
-              </a:ext>
-            </a:extLst>
-          </p:cNvPr>
-          <p:cNvPicPr>
-            <a:picLocks noChangeAspect="1"/>
-          </p:cNvPicPr>
-          <p:nvPr/>
-        </p:nvPicPr>
-        <p:blipFill>
-          <a:blip r:embed="rId7"/>
-          <a:stretch>
-            <a:fillRect/>
-          </a:stretch>
-        </p:blipFill>
-        <p:spPr>
-          <a:xfrm>
-            <a:off x="5593085" y="1483506"/>
-            <a:ext cx="5629268" cy="3884194"/>
-          </a:xfrm>
-          <a:prstGeom prst="rect">
-            <a:avLst/>
-          </a:prstGeom>
-          <a:ln>
-            <a:noFill/>
-          </a:ln>
-          <a:effectLst/>
-        </p:spPr>
-      </p:pic>
-    </p:spTree>
-  </p:cSld>
-  <p:clrMapOvr>
-    <a:overrideClrMapping bg1="lt1" tx1="dk1" bg2="lt2" tx2="dk2" accent1="accent1" accent2="accent2" accent3="accent3" accent4="accent4" accent5="accent5" accent6="accent6" hlink="hlink" folHlink="folHlink"/>
-  </p:clrMapOvr>
-</p:sld>
-</file>
-
 <file path=ppt/slides/slide8.xml><?xml version="1.0" encoding="utf-8"?>
 <p:sld xmlns:a="http://schemas.openxmlformats.org/drawingml/2006/main" xmlns:r="http://schemas.openxmlformats.org/officeDocument/2006/relationships" xmlns:p="http://schemas.openxmlformats.org/presentationml/2006/main">
   <p:cSld>
@@ -17873,13 +17734,8 @@
                   <a:srgbClr val="FFFFFF"/>
                 </a:solidFill>
               </a:rPr>
-              <a:t>Exploring Firebase</a:t>
+              <a:t>Class Diagram</a:t>
             </a:r>
-            <a:endParaRPr lang="en-US" sz="5400" dirty="0">
-              <a:solidFill>
-                <a:srgbClr val="FFFFFF"/>
-              </a:solidFill>
-            </a:endParaRPr>
           </a:p>
         </p:txBody>
       </p:sp>
@@ -17953,6 +17809,708 @@
           </a:p>
         </p:txBody>
       </p:sp>
+      <p:pic>
+        <p:nvPicPr>
+          <p:cNvPr id="3" name="Picture 2" descr="Graphical user interface, website&#10;&#10;Description automatically generated">
+            <a:extLst>
+              <a:ext uri="{FF2B5EF4-FFF2-40B4-BE49-F238E27FC236}">
+                <a16:creationId xmlns:a16="http://schemas.microsoft.com/office/drawing/2014/main" id="{557B61DB-30B2-6761-3AD1-307C83E1A355}"/>
+              </a:ext>
+            </a:extLst>
+          </p:cNvPr>
+          <p:cNvPicPr>
+            <a:picLocks noChangeAspect="1"/>
+          </p:cNvPicPr>
+          <p:nvPr/>
+        </p:nvPicPr>
+        <p:blipFill>
+          <a:blip r:embed="rId7"/>
+          <a:stretch>
+            <a:fillRect/>
+          </a:stretch>
+        </p:blipFill>
+        <p:spPr>
+          <a:xfrm>
+            <a:off x="5593085" y="1483506"/>
+            <a:ext cx="5629268" cy="3884194"/>
+          </a:xfrm>
+          <a:prstGeom prst="rect">
+            <a:avLst/>
+          </a:prstGeom>
+          <a:ln>
+            <a:noFill/>
+          </a:ln>
+          <a:effectLst/>
+        </p:spPr>
+      </p:pic>
+    </p:spTree>
+  </p:cSld>
+  <p:clrMapOvr>
+    <a:overrideClrMapping bg1="lt1" tx1="dk1" bg2="lt2" tx2="dk2" accent1="accent1" accent2="accent2" accent3="accent3" accent4="accent4" accent5="accent5" accent6="accent6" hlink="hlink" folHlink="folHlink"/>
+  </p:clrMapOvr>
+</p:sld>
+</file>
+
+<file path=ppt/slides/slide9.xml><?xml version="1.0" encoding="utf-8"?>
+<p:sld xmlns:a="http://schemas.openxmlformats.org/drawingml/2006/main" xmlns:r="http://schemas.openxmlformats.org/officeDocument/2006/relationships" xmlns:p="http://schemas.openxmlformats.org/presentationml/2006/main">
+  <p:cSld>
+    <p:bg>
+      <p:bgPr>
+        <a:solidFill>
+          <a:schemeClr val="bg1"/>
+        </a:solidFill>
+        <a:effectLst/>
+      </p:bgPr>
+    </p:bg>
+    <p:spTree>
+      <p:nvGrpSpPr>
+        <p:cNvPr id="1" name="Shape 123"/>
+        <p:cNvGrpSpPr/>
+        <p:nvPr/>
+      </p:nvGrpSpPr>
+      <p:grpSpPr>
+        <a:xfrm>
+          <a:off x="0" y="0"/>
+          <a:ext cx="0" cy="0"/>
+          <a:chOff x="0" y="0"/>
+          <a:chExt cx="0" cy="0"/>
+        </a:xfrm>
+      </p:grpSpPr>
+      <p:pic>
+        <p:nvPicPr>
+          <p:cNvPr id="150" name="Picture 128">
+            <a:extLst>
+              <a:ext uri="{FF2B5EF4-FFF2-40B4-BE49-F238E27FC236}">
+                <a16:creationId xmlns:a16="http://schemas.microsoft.com/office/drawing/2014/main" id="{5321D838-2C7E-4177-9DD3-DAC78324A2B2}"/>
+              </a:ext>
+              <a:ext uri="{C183D7F6-B498-43B3-948B-1728B52AA6E4}">
+                <adec:decorative xmlns:adec="http://schemas.microsoft.com/office/drawing/2017/decorative" val="1"/>
+              </a:ext>
+            </a:extLst>
+          </p:cNvPr>
+          <p:cNvPicPr>
+            <a:picLocks noGrp="1" noRot="1" noChangeAspect="1" noMove="1" noResize="1" noEditPoints="1" noAdjustHandles="1" noChangeArrowheads="1" noChangeShapeType="1" noCrop="1"/>
+          </p:cNvPicPr>
+          <p:nvPr>
+            <p:extLst>
+              <p:ext uri="{386F3935-93C4-4BCD-93E2-E3B085C9AB24}">
+                <p16:designElem xmlns:p16="http://schemas.microsoft.com/office/powerpoint/2015/main" val="1"/>
+              </p:ext>
+            </p:extLst>
+          </p:nvPr>
+        </p:nvPicPr>
+        <p:blipFill>
+          <a:blip r:embed="rId3">
+            <a:alphaModFix amt="10000"/>
+            <a:extLst>
+              <a:ext uri="{28A0092B-C50C-407E-A947-70E740481C1C}">
+                <a14:useLocalDpi xmlns:a14="http://schemas.microsoft.com/office/drawing/2010/main" val="0"/>
+              </a:ext>
+            </a:extLst>
+          </a:blip>
+          <a:stretch>
+            <a:fillRect/>
+          </a:stretch>
+        </p:blipFill>
+        <p:spPr>
+          <a:xfrm>
+            <a:off x="0" y="0"/>
+            <a:ext cx="12192000" cy="6858000"/>
+          </a:xfrm>
+          <a:prstGeom prst="rect">
+            <a:avLst/>
+          </a:prstGeom>
+        </p:spPr>
+      </p:pic>
+      <p:pic>
+        <p:nvPicPr>
+          <p:cNvPr id="151" name="Picture 130">
+            <a:extLst>
+              <a:ext uri="{FF2B5EF4-FFF2-40B4-BE49-F238E27FC236}">
+                <a16:creationId xmlns:a16="http://schemas.microsoft.com/office/drawing/2014/main" id="{0146E45C-1450-4186-B501-74F221F897A8}"/>
+              </a:ext>
+              <a:ext uri="{C183D7F6-B498-43B3-948B-1728B52AA6E4}">
+                <adec:decorative xmlns:adec="http://schemas.microsoft.com/office/drawing/2017/decorative" val="1"/>
+              </a:ext>
+            </a:extLst>
+          </p:cNvPr>
+          <p:cNvPicPr>
+            <a:picLocks noGrp="1" noRot="1" noChangeAspect="1" noMove="1" noResize="1" noEditPoints="1" noAdjustHandles="1" noChangeArrowheads="1" noChangeShapeType="1" noCrop="1"/>
+          </p:cNvPicPr>
+          <p:nvPr>
+            <p:extLst>
+              <p:ext uri="{386F3935-93C4-4BCD-93E2-E3B085C9AB24}">
+                <p16:designElem xmlns:p16="http://schemas.microsoft.com/office/powerpoint/2015/main" val="1"/>
+              </p:ext>
+            </p:extLst>
+          </p:nvPr>
+        </p:nvPicPr>
+        <p:blipFill>
+          <a:blip r:embed="rId4">
+            <a:extLst>
+              <a:ext uri="{28A0092B-C50C-407E-A947-70E740481C1C}">
+                <a14:useLocalDpi xmlns:a14="http://schemas.microsoft.com/office/drawing/2010/main" val="0"/>
+              </a:ext>
+            </a:extLst>
+          </a:blip>
+          <a:stretch>
+            <a:fillRect/>
+          </a:stretch>
+        </p:blipFill>
+        <p:spPr>
+          <a:xfrm>
+            <a:off x="1" y="4242851"/>
+            <a:ext cx="8968084" cy="275942"/>
+          </a:xfrm>
+          <a:prstGeom prst="rect">
+            <a:avLst/>
+          </a:prstGeom>
+        </p:spPr>
+      </p:pic>
+      <p:pic>
+        <p:nvPicPr>
+          <p:cNvPr id="152" name="Picture 132">
+            <a:extLst>
+              <a:ext uri="{FF2B5EF4-FFF2-40B4-BE49-F238E27FC236}">
+                <a16:creationId xmlns:a16="http://schemas.microsoft.com/office/drawing/2014/main" id="{EEDDA48B-BC04-4915-ADA3-A1A9522EB0D1}"/>
+              </a:ext>
+              <a:ext uri="{C183D7F6-B498-43B3-948B-1728B52AA6E4}">
+                <adec:decorative xmlns:adec="http://schemas.microsoft.com/office/drawing/2017/decorative" val="1"/>
+              </a:ext>
+            </a:extLst>
+          </p:cNvPr>
+          <p:cNvPicPr>
+            <a:picLocks noGrp="1" noRot="1" noChangeAspect="1" noMove="1" noResize="1" noEditPoints="1" noAdjustHandles="1" noChangeArrowheads="1" noChangeShapeType="1" noCrop="1"/>
+          </p:cNvPicPr>
+          <p:nvPr>
+            <p:extLst>
+              <p:ext uri="{386F3935-93C4-4BCD-93E2-E3B085C9AB24}">
+                <p16:designElem xmlns:p16="http://schemas.microsoft.com/office/powerpoint/2015/main" val="1"/>
+              </p:ext>
+            </p:extLst>
+          </p:nvPr>
+        </p:nvPicPr>
+        <p:blipFill>
+          <a:blip r:embed="rId5">
+            <a:extLst>
+              <a:ext uri="{28A0092B-C50C-407E-A947-70E740481C1C}">
+                <a14:useLocalDpi xmlns:a14="http://schemas.microsoft.com/office/drawing/2010/main" val="0"/>
+              </a:ext>
+            </a:extLst>
+          </a:blip>
+          <a:stretch>
+            <a:fillRect/>
+          </a:stretch>
+        </p:blipFill>
+        <p:spPr>
+          <a:xfrm>
+            <a:off x="9111716" y="4243845"/>
+            <a:ext cx="3077108" cy="276940"/>
+          </a:xfrm>
+          <a:prstGeom prst="rect">
+            <a:avLst/>
+          </a:prstGeom>
+        </p:spPr>
+      </p:pic>
+      <p:sp>
+        <p:nvSpPr>
+          <p:cNvPr id="153" name="Rectangle 134">
+            <a:extLst>
+              <a:ext uri="{FF2B5EF4-FFF2-40B4-BE49-F238E27FC236}">
+                <a16:creationId xmlns:a16="http://schemas.microsoft.com/office/drawing/2014/main" id="{78C9D07A-5A22-4E55-B18A-47CF07E5080D}"/>
+              </a:ext>
+              <a:ext uri="{C183D7F6-B498-43B3-948B-1728B52AA6E4}">
+                <adec:decorative xmlns:adec="http://schemas.microsoft.com/office/drawing/2017/decorative" val="1"/>
+              </a:ext>
+            </a:extLst>
+          </p:cNvPr>
+          <p:cNvSpPr>
+            <a:spLocks noGrp="1" noRot="1" noChangeAspect="1" noMove="1" noResize="1" noEditPoints="1" noAdjustHandles="1" noChangeArrowheads="1" noChangeShapeType="1" noTextEdit="1"/>
+          </p:cNvSpPr>
+          <p:nvPr>
+            <p:extLst>
+              <p:ext uri="{386F3935-93C4-4BCD-93E2-E3B085C9AB24}">
+                <p16:designElem xmlns:p16="http://schemas.microsoft.com/office/powerpoint/2015/main" val="1"/>
+              </p:ext>
+            </p:extLst>
+          </p:nvPr>
+        </p:nvSpPr>
+        <p:spPr>
+          <a:xfrm>
+            <a:off x="0" y="2590078"/>
+            <a:ext cx="8968085" cy="1660332"/>
+          </a:xfrm>
+          <a:prstGeom prst="rect">
+            <a:avLst/>
+          </a:prstGeom>
+          <a:solidFill>
+            <a:schemeClr val="bg1">
+              <a:lumMod val="85000"/>
+              <a:lumOff val="15000"/>
+            </a:schemeClr>
+          </a:solidFill>
+          <a:ln>
+            <a:noFill/>
+          </a:ln>
+        </p:spPr>
+        <p:style>
+          <a:lnRef idx="2">
+            <a:schemeClr val="accent1">
+              <a:shade val="50000"/>
+            </a:schemeClr>
+          </a:lnRef>
+          <a:fillRef idx="1">
+            <a:schemeClr val="accent1"/>
+          </a:fillRef>
+          <a:effectRef idx="0">
+            <a:schemeClr val="accent1"/>
+          </a:effectRef>
+          <a:fontRef idx="minor">
+            <a:schemeClr val="lt1"/>
+          </a:fontRef>
+        </p:style>
+      </p:sp>
+      <p:sp>
+        <p:nvSpPr>
+          <p:cNvPr id="154" name="Rectangle 136">
+            <a:extLst>
+              <a:ext uri="{FF2B5EF4-FFF2-40B4-BE49-F238E27FC236}">
+                <a16:creationId xmlns:a16="http://schemas.microsoft.com/office/drawing/2014/main" id="{3D71E629-0739-4A59-972B-A9E9A4500E31}"/>
+              </a:ext>
+              <a:ext uri="{C183D7F6-B498-43B3-948B-1728B52AA6E4}">
+                <adec:decorative xmlns:adec="http://schemas.microsoft.com/office/drawing/2017/decorative" val="1"/>
+              </a:ext>
+            </a:extLst>
+          </p:cNvPr>
+          <p:cNvSpPr>
+            <a:spLocks noGrp="1" noRot="1" noChangeAspect="1" noMove="1" noResize="1" noEditPoints="1" noAdjustHandles="1" noChangeArrowheads="1" noChangeShapeType="1" noTextEdit="1"/>
+          </p:cNvSpPr>
+          <p:nvPr>
+            <p:extLst>
+              <p:ext uri="{386F3935-93C4-4BCD-93E2-E3B085C9AB24}">
+                <p16:designElem xmlns:p16="http://schemas.microsoft.com/office/powerpoint/2015/main" val="1"/>
+              </p:ext>
+            </p:extLst>
+          </p:nvPr>
+        </p:nvSpPr>
+        <p:spPr>
+          <a:xfrm>
+            <a:off x="9111715" y="2590078"/>
+            <a:ext cx="3077109" cy="1660332"/>
+          </a:xfrm>
+          <a:prstGeom prst="rect">
+            <a:avLst/>
+          </a:prstGeom>
+          <a:solidFill>
+            <a:schemeClr val="accent1"/>
+          </a:solidFill>
+          <a:ln>
+            <a:noFill/>
+          </a:ln>
+        </p:spPr>
+        <p:style>
+          <a:lnRef idx="2">
+            <a:schemeClr val="accent1">
+              <a:shade val="50000"/>
+            </a:schemeClr>
+          </a:lnRef>
+          <a:fillRef idx="1">
+            <a:schemeClr val="accent1"/>
+          </a:fillRef>
+          <a:effectRef idx="0">
+            <a:schemeClr val="accent1"/>
+          </a:effectRef>
+          <a:fontRef idx="minor">
+            <a:schemeClr val="lt1"/>
+          </a:fontRef>
+        </p:style>
+      </p:sp>
+      <p:pic>
+        <p:nvPicPr>
+          <p:cNvPr id="155" name="Picture 138">
+            <a:extLst>
+              <a:ext uri="{FF2B5EF4-FFF2-40B4-BE49-F238E27FC236}">
+                <a16:creationId xmlns:a16="http://schemas.microsoft.com/office/drawing/2014/main" id="{AF9C2BBD-AAF7-4C85-9BE4-E4C2F52353FF}"/>
+              </a:ext>
+              <a:ext uri="{C183D7F6-B498-43B3-948B-1728B52AA6E4}">
+                <adec:decorative xmlns:adec="http://schemas.microsoft.com/office/drawing/2017/decorative" val="1"/>
+              </a:ext>
+            </a:extLst>
+          </p:cNvPr>
+          <p:cNvPicPr>
+            <a:picLocks noGrp="1" noRot="1" noChangeAspect="1" noMove="1" noResize="1" noEditPoints="1" noAdjustHandles="1" noChangeArrowheads="1" noChangeShapeType="1" noCrop="1"/>
+          </p:cNvPicPr>
+          <p:nvPr>
+            <p:extLst>
+              <p:ext uri="{386F3935-93C4-4BCD-93E2-E3B085C9AB24}">
+                <p16:designElem xmlns:p16="http://schemas.microsoft.com/office/powerpoint/2015/main" val="1"/>
+              </p:ext>
+            </p:extLst>
+          </p:nvPr>
+        </p:nvPicPr>
+        <p:blipFill>
+          <a:blip r:embed="rId3">
+            <a:alphaModFix amt="10000"/>
+            <a:extLst>
+              <a:ext uri="{28A0092B-C50C-407E-A947-70E740481C1C}">
+                <a14:useLocalDpi xmlns:a14="http://schemas.microsoft.com/office/drawing/2010/main" val="0"/>
+              </a:ext>
+            </a:extLst>
+          </a:blip>
+          <a:stretch>
+            <a:fillRect/>
+          </a:stretch>
+        </p:blipFill>
+        <p:spPr>
+          <a:xfrm>
+            <a:off x="0" y="0"/>
+            <a:ext cx="12192000" cy="6858000"/>
+          </a:xfrm>
+          <a:prstGeom prst="rect">
+            <a:avLst/>
+          </a:prstGeom>
+          <a:gradFill>
+            <a:gsLst>
+              <a:gs pos="0">
+                <a:srgbClr val="F78925"/>
+              </a:gs>
+              <a:gs pos="50000">
+                <a:srgbClr val="D54209"/>
+              </a:gs>
+              <a:gs pos="100000">
+                <a:srgbClr val="8D0000"/>
+              </a:gs>
+            </a:gsLst>
+            <a:lin ang="2520000" scaled="0"/>
+          </a:gradFill>
+        </p:spPr>
+      </p:pic>
+      <p:pic>
+        <p:nvPicPr>
+          <p:cNvPr id="156" name="Picture 140">
+            <a:extLst>
+              <a:ext uri="{FF2B5EF4-FFF2-40B4-BE49-F238E27FC236}">
+                <a16:creationId xmlns:a16="http://schemas.microsoft.com/office/drawing/2014/main" id="{AEEF8B78-E487-4E1A-8945-35B4041B02A3}"/>
+              </a:ext>
+              <a:ext uri="{C183D7F6-B498-43B3-948B-1728B52AA6E4}">
+                <adec:decorative xmlns:adec="http://schemas.microsoft.com/office/drawing/2017/decorative" val="1"/>
+              </a:ext>
+            </a:extLst>
+          </p:cNvPr>
+          <p:cNvPicPr>
+            <a:picLocks noGrp="1" noRot="1" noChangeAspect="1" noMove="1" noResize="1" noEditPoints="1" noAdjustHandles="1" noChangeArrowheads="1" noChangeShapeType="1" noCrop="1"/>
+          </p:cNvPicPr>
+          <p:nvPr>
+            <p:extLst>
+              <p:ext uri="{386F3935-93C4-4BCD-93E2-E3B085C9AB24}">
+                <p16:designElem xmlns:p16="http://schemas.microsoft.com/office/powerpoint/2015/main" val="1"/>
+              </p:ext>
+            </p:extLst>
+          </p:nvPr>
+        </p:nvPicPr>
+        <p:blipFill>
+          <a:blip r:embed="rId3">
+            <a:alphaModFix amt="10000"/>
+            <a:extLst>
+              <a:ext uri="{28A0092B-C50C-407E-A947-70E740481C1C}">
+                <a14:useLocalDpi xmlns:a14="http://schemas.microsoft.com/office/drawing/2010/main" val="0"/>
+              </a:ext>
+            </a:extLst>
+          </a:blip>
+          <a:stretch>
+            <a:fillRect/>
+          </a:stretch>
+        </p:blipFill>
+        <p:spPr>
+          <a:xfrm>
+            <a:off x="0" y="0"/>
+            <a:ext cx="12192000" cy="6858000"/>
+          </a:xfrm>
+          <a:prstGeom prst="rect">
+            <a:avLst/>
+          </a:prstGeom>
+        </p:spPr>
+      </p:pic>
+      <p:sp>
+        <p:nvSpPr>
+          <p:cNvPr id="157" name="Rectangle 142">
+            <a:extLst>
+              <a:ext uri="{FF2B5EF4-FFF2-40B4-BE49-F238E27FC236}">
+                <a16:creationId xmlns:a16="http://schemas.microsoft.com/office/drawing/2014/main" id="{B9B4F0B3-5A15-4AAD-B054-8BA92098722A}"/>
+              </a:ext>
+              <a:ext uri="{C183D7F6-B498-43B3-948B-1728B52AA6E4}">
+                <adec:decorative xmlns:adec="http://schemas.microsoft.com/office/drawing/2017/decorative" val="1"/>
+              </a:ext>
+            </a:extLst>
+          </p:cNvPr>
+          <p:cNvSpPr>
+            <a:spLocks noGrp="1" noRot="1" noChangeAspect="1" noMove="1" noResize="1" noEditPoints="1" noAdjustHandles="1" noChangeArrowheads="1" noChangeShapeType="1" noTextEdit="1"/>
+          </p:cNvSpPr>
+          <p:nvPr>
+            <p:extLst>
+              <p:ext uri="{386F3935-93C4-4BCD-93E2-E3B085C9AB24}">
+                <p16:designElem xmlns:p16="http://schemas.microsoft.com/office/powerpoint/2015/main" val="1"/>
+              </p:ext>
+            </p:extLst>
+          </p:nvPr>
+        </p:nvSpPr>
+        <p:spPr>
+          <a:xfrm>
+            <a:off x="4644527" y="0"/>
+            <a:ext cx="7552944" cy="6858001"/>
+          </a:xfrm>
+          <a:prstGeom prst="rect">
+            <a:avLst/>
+          </a:prstGeom>
+          <a:ln>
+            <a:noFill/>
+          </a:ln>
+        </p:spPr>
+        <p:style>
+          <a:lnRef idx="2">
+            <a:schemeClr val="accent1">
+              <a:shade val="50000"/>
+            </a:schemeClr>
+          </a:lnRef>
+          <a:fillRef idx="1">
+            <a:schemeClr val="accent1"/>
+          </a:fillRef>
+          <a:effectRef idx="0">
+            <a:schemeClr val="accent1"/>
+          </a:effectRef>
+          <a:fontRef idx="minor">
+            <a:schemeClr val="lt1"/>
+          </a:fontRef>
+        </p:style>
+        <p:txBody>
+          <a:bodyPr rtlCol="0" anchor="ctr"/>
+          <a:lstStyle/>
+          <a:p>
+            <a:pPr algn="ctr"/>
+            <a:endParaRPr lang="en-US"/>
+          </a:p>
+        </p:txBody>
+      </p:sp>
+      <p:pic>
+        <p:nvPicPr>
+          <p:cNvPr id="158" name="Picture 144">
+            <a:extLst>
+              <a:ext uri="{FF2B5EF4-FFF2-40B4-BE49-F238E27FC236}">
+                <a16:creationId xmlns:a16="http://schemas.microsoft.com/office/drawing/2014/main" id="{CCA43FE3-BC3A-4163-B2D9-721AA0F6F4D9}"/>
+              </a:ext>
+              <a:ext uri="{C183D7F6-B498-43B3-948B-1728B52AA6E4}">
+                <adec:decorative xmlns:adec="http://schemas.microsoft.com/office/drawing/2017/decorative" val="1"/>
+              </a:ext>
+            </a:extLst>
+          </p:cNvPr>
+          <p:cNvPicPr>
+            <a:picLocks noGrp="1" noRot="1" noChangeAspect="1" noMove="1" noResize="1" noEditPoints="1" noAdjustHandles="1" noChangeArrowheads="1" noChangeShapeType="1" noCrop="1"/>
+          </p:cNvPicPr>
+          <p:nvPr>
+            <p:extLst>
+              <p:ext uri="{386F3935-93C4-4BCD-93E2-E3B085C9AB24}">
+                <p16:designElem xmlns:p16="http://schemas.microsoft.com/office/powerpoint/2015/main" val="1"/>
+              </p:ext>
+            </p:extLst>
+          </p:nvPr>
+        </p:nvPicPr>
+        <p:blipFill>
+          <a:blip r:embed="rId6" cstate="print">
+            <a:extLst>
+              <a:ext uri="{28A0092B-C50C-407E-A947-70E740481C1C}">
+                <a14:useLocalDpi xmlns:a14="http://schemas.microsoft.com/office/drawing/2010/main" val="0"/>
+              </a:ext>
+            </a:extLst>
+          </a:blip>
+          <a:stretch>
+            <a:fillRect/>
+          </a:stretch>
+        </p:blipFill>
+        <p:spPr>
+          <a:xfrm>
+            <a:off x="1" y="5006045"/>
+            <a:ext cx="4965192" cy="144049"/>
+          </a:xfrm>
+          <a:prstGeom prst="rect">
+            <a:avLst/>
+          </a:prstGeom>
+        </p:spPr>
+      </p:pic>
+      <p:sp>
+        <p:nvSpPr>
+          <p:cNvPr id="159" name="Rectangle 146">
+            <a:extLst>
+              <a:ext uri="{FF2B5EF4-FFF2-40B4-BE49-F238E27FC236}">
+                <a16:creationId xmlns:a16="http://schemas.microsoft.com/office/drawing/2014/main" id="{488AAD42-9F71-4F14-AE1E-C05DCFC60600}"/>
+              </a:ext>
+              <a:ext uri="{C183D7F6-B498-43B3-948B-1728B52AA6E4}">
+                <adec:decorative xmlns:adec="http://schemas.microsoft.com/office/drawing/2017/decorative" val="1"/>
+              </a:ext>
+            </a:extLst>
+          </p:cNvPr>
+          <p:cNvSpPr>
+            <a:spLocks noGrp="1" noRot="1" noChangeAspect="1" noMove="1" noResize="1" noEditPoints="1" noAdjustHandles="1" noChangeArrowheads="1" noChangeShapeType="1" noTextEdit="1"/>
+          </p:cNvSpPr>
+          <p:nvPr>
+            <p:extLst>
+              <p:ext uri="{386F3935-93C4-4BCD-93E2-E3B085C9AB24}">
+                <p16:designElem xmlns:p16="http://schemas.microsoft.com/office/powerpoint/2015/main" val="1"/>
+              </p:ext>
+            </p:extLst>
+          </p:nvPr>
+        </p:nvSpPr>
+        <p:spPr>
+          <a:xfrm>
+            <a:off x="-1" y="1838764"/>
+            <a:ext cx="4964567" cy="3180473"/>
+          </a:xfrm>
+          <a:prstGeom prst="rect">
+            <a:avLst/>
+          </a:prstGeom>
+          <a:solidFill>
+            <a:srgbClr val="0D0D0D"/>
+          </a:solidFill>
+          <a:ln>
+            <a:noFill/>
+          </a:ln>
+        </p:spPr>
+        <p:style>
+          <a:lnRef idx="2">
+            <a:schemeClr val="accent1">
+              <a:shade val="50000"/>
+            </a:schemeClr>
+          </a:lnRef>
+          <a:fillRef idx="1">
+            <a:schemeClr val="accent1"/>
+          </a:fillRef>
+          <a:effectRef idx="0">
+            <a:schemeClr val="accent1"/>
+          </a:effectRef>
+          <a:fontRef idx="minor">
+            <a:schemeClr val="lt1"/>
+          </a:fontRef>
+        </p:style>
+      </p:sp>
+      <p:sp>
+        <p:nvSpPr>
+          <p:cNvPr id="124" name="Google Shape;124;p5"/>
+          <p:cNvSpPr txBox="1">
+            <a:spLocks noGrp="1"/>
+          </p:cNvSpPr>
+          <p:nvPr>
+            <p:ph type="title"/>
+          </p:nvPr>
+        </p:nvSpPr>
+        <p:spPr>
+          <a:xfrm>
+            <a:off x="680322" y="2063262"/>
+            <a:ext cx="3739278" cy="2661138"/>
+          </a:xfrm>
+          <a:prstGeom prst="rect">
+            <a:avLst/>
+          </a:prstGeom>
+        </p:spPr>
+        <p:txBody>
+          <a:bodyPr spcFirstLastPara="1" vert="horz" lIns="91440" tIns="45720" rIns="91440" bIns="45720" rtlCol="0" anchor="ctr" anchorCtr="0">
+            <a:normAutofit/>
+          </a:bodyPr>
+          <a:lstStyle/>
+          <a:p>
+            <a:pPr marL="0" lvl="0" indent="0" algn="r">
+              <a:spcAft>
+                <a:spcPts val="0"/>
+              </a:spcAft>
+              <a:buClr>
+                <a:schemeClr val="dk1"/>
+              </a:buClr>
+              <a:buSzPts val="4400"/>
+            </a:pPr>
+            <a:r>
+              <a:rPr lang="en-US" sz="5400">
+                <a:solidFill>
+                  <a:srgbClr val="FFFFFF"/>
+                </a:solidFill>
+              </a:rPr>
+              <a:t>Exploring Firebase</a:t>
+            </a:r>
+            <a:endParaRPr lang="en-US" sz="5400" dirty="0">
+              <a:solidFill>
+                <a:srgbClr val="FFFFFF"/>
+              </a:solidFill>
+            </a:endParaRPr>
+          </a:p>
+        </p:txBody>
+      </p:sp>
+      <p:sp>
+        <p:nvSpPr>
+          <p:cNvPr id="149" name="Rectangle 148">
+            <a:extLst>
+              <a:ext uri="{FF2B5EF4-FFF2-40B4-BE49-F238E27FC236}">
+                <a16:creationId xmlns:a16="http://schemas.microsoft.com/office/drawing/2014/main" id="{61B962C9-BE53-4915-9C0C-B53DCD378DA2}"/>
+              </a:ext>
+              <a:ext uri="{C183D7F6-B498-43B3-948B-1728B52AA6E4}">
+                <adec:decorative xmlns:adec="http://schemas.microsoft.com/office/drawing/2017/decorative" val="1"/>
+              </a:ext>
+            </a:extLst>
+          </p:cNvPr>
+          <p:cNvSpPr>
+            <a:spLocks noGrp="1" noRot="1" noChangeAspect="1" noMove="1" noResize="1" noEditPoints="1" noAdjustHandles="1" noChangeArrowheads="1" noChangeShapeType="1" noTextEdit="1"/>
+          </p:cNvSpPr>
+          <p:nvPr>
+            <p:extLst>
+              <p:ext uri="{386F3935-93C4-4BCD-93E2-E3B085C9AB24}">
+                <p16:designElem xmlns:p16="http://schemas.microsoft.com/office/powerpoint/2015/main" val="1"/>
+              </p:ext>
+            </p:extLst>
+          </p:nvPr>
+        </p:nvSpPr>
+        <p:spPr>
+          <a:xfrm>
+            <a:off x="5276090" y="642795"/>
+            <a:ext cx="6272654" cy="5575126"/>
+          </a:xfrm>
+          <a:prstGeom prst="rect">
+            <a:avLst/>
+          </a:prstGeom>
+          <a:solidFill>
+            <a:schemeClr val="bg1"/>
+          </a:solidFill>
+          <a:ln>
+            <a:noFill/>
+          </a:ln>
+          <a:effectLst>
+            <a:outerShdw blurRad="76200" dist="63500" dir="5040000" algn="t" rotWithShape="0">
+              <a:prstClr val="black">
+                <a:alpha val="41000"/>
+              </a:prstClr>
+            </a:outerShdw>
+          </a:effectLst>
+        </p:spPr>
+        <p:style>
+          <a:lnRef idx="2">
+            <a:schemeClr val="accent1">
+              <a:shade val="50000"/>
+            </a:schemeClr>
+          </a:lnRef>
+          <a:fillRef idx="1">
+            <a:schemeClr val="accent1"/>
+          </a:fillRef>
+          <a:effectRef idx="0">
+            <a:schemeClr val="accent1"/>
+          </a:effectRef>
+          <a:fontRef idx="minor">
+            <a:schemeClr val="lt1"/>
+          </a:fontRef>
+        </p:style>
+        <p:txBody>
+          <a:bodyPr rtlCol="0" anchor="ctr"/>
+          <a:lstStyle/>
+          <a:p>
+            <a:pPr algn="ctr"/>
+            <a:endParaRPr lang="en-US"/>
+          </a:p>
+        </p:txBody>
+      </p:sp>
       <p:sp>
         <p:nvSpPr>
           <p:cNvPr id="4" name="TextBox 3">
@@ -18032,130 +18590,6 @@
   </p:cSld>
   <p:clrMapOvr>
     <a:overrideClrMapping bg1="lt1" tx1="dk1" bg2="lt2" tx2="dk2" accent1="accent1" accent2="accent2" accent3="accent3" accent4="accent4" accent5="accent5" accent6="accent6" hlink="hlink" folHlink="folHlink"/>
-  </p:clrMapOvr>
-</p:sld>
-</file>
-
-<file path=ppt/slides/slide9.xml><?xml version="1.0" encoding="utf-8"?>
-<p:sld xmlns:a="http://schemas.openxmlformats.org/drawingml/2006/main" xmlns:r="http://schemas.openxmlformats.org/officeDocument/2006/relationships" xmlns:p="http://schemas.openxmlformats.org/presentationml/2006/main" showMasterSp="0">
-  <p:cSld>
-    <p:spTree>
-      <p:nvGrpSpPr>
-        <p:cNvPr id="1" name="Shape 130"/>
-        <p:cNvGrpSpPr/>
-        <p:nvPr/>
-      </p:nvGrpSpPr>
-      <p:grpSpPr>
-        <a:xfrm>
-          <a:off x="0" y="0"/>
-          <a:ext cx="0" cy="0"/>
-          <a:chOff x="0" y="0"/>
-          <a:chExt cx="0" cy="0"/>
-        </a:xfrm>
-      </p:grpSpPr>
-      <p:sp>
-        <p:nvSpPr>
-          <p:cNvPr id="131" name="Google Shape;131;p6"/>
-          <p:cNvSpPr txBox="1">
-            <a:spLocks noGrp="1"/>
-          </p:cNvSpPr>
-          <p:nvPr>
-            <p:ph type="title"/>
-          </p:nvPr>
-        </p:nvSpPr>
-        <p:spPr>
-          <a:prstGeom prst="rect">
-            <a:avLst/>
-          </a:prstGeom>
-          <a:noFill/>
-          <a:ln>
-            <a:noFill/>
-          </a:ln>
-        </p:spPr>
-        <p:txBody>
-          <a:bodyPr spcFirstLastPara="1" wrap="square" lIns="91425" tIns="45700" rIns="91425" bIns="45700" anchor="ctr" anchorCtr="0">
-            <a:normAutofit/>
-          </a:bodyPr>
-          <a:lstStyle/>
-          <a:p>
-            <a:pPr marL="0" lvl="0" indent="0" algn="l" rtl="0">
-              <a:lnSpc>
-                <a:spcPct val="90000"/>
-              </a:lnSpc>
-              <a:spcBef>
-                <a:spcPts val="0"/>
-              </a:spcBef>
-              <a:spcAft>
-                <a:spcPts val="0"/>
-              </a:spcAft>
-              <a:buClr>
-                <a:schemeClr val="dk1"/>
-              </a:buClr>
-              <a:buSzPts val="4400"/>
-              <a:buFont typeface="Calibri"/>
-              <a:buNone/>
-            </a:pPr>
-            <a:r>
-              <a:rPr lang="en-US" sz="3200" dirty="0">
-                <a:latin typeface="+mj-lt"/>
-              </a:rPr>
-              <a:t>Data requirements</a:t>
-            </a:r>
-            <a:endParaRPr sz="3200" dirty="0">
-              <a:latin typeface="+mj-lt"/>
-            </a:endParaRPr>
-          </a:p>
-        </p:txBody>
-      </p:sp>
-      <p:sp>
-        <p:nvSpPr>
-          <p:cNvPr id="132" name="Google Shape;132;p6"/>
-          <p:cNvSpPr txBox="1">
-            <a:spLocks noGrp="1"/>
-          </p:cNvSpPr>
-          <p:nvPr>
-            <p:ph idx="1"/>
-          </p:nvPr>
-        </p:nvSpPr>
-        <p:spPr>
-          <a:prstGeom prst="rect">
-            <a:avLst/>
-          </a:prstGeom>
-          <a:noFill/>
-          <a:ln>
-            <a:noFill/>
-          </a:ln>
-        </p:spPr>
-        <p:txBody>
-          <a:bodyPr spcFirstLastPara="1" wrap="square" lIns="91425" tIns="45700" rIns="91425" bIns="45700" anchor="t" anchorCtr="0">
-            <a:normAutofit/>
-          </a:bodyPr>
-          <a:lstStyle/>
-          <a:p>
-            <a:pPr marL="228600" lvl="0" indent="-50800" algn="l" rtl="0">
-              <a:lnSpc>
-                <a:spcPct val="90000"/>
-              </a:lnSpc>
-              <a:spcBef>
-                <a:spcPts val="1000"/>
-              </a:spcBef>
-              <a:spcAft>
-                <a:spcPts val="2100"/>
-              </a:spcAft>
-              <a:buClr>
-                <a:schemeClr val="dk1"/>
-              </a:buClr>
-              <a:buSzPts val="2800"/>
-              <a:buNone/>
-            </a:pPr>
-            <a:endParaRPr dirty="0"/>
-          </a:p>
-        </p:txBody>
-      </p:sp>
-    </p:spTree>
-  </p:cSld>
-  <p:clrMapOvr>
-    <a:masterClrMapping/>
   </p:clrMapOvr>
 </p:sld>
 </file>
